--- a/diagrams.pptx
+++ b/diagrams.pptx
@@ -245,7 +245,7 @@
           <a:p>
             <a:fld id="{E6572FD9-149D-4F0B-92E7-747A630B98D4}" type="datetimeFigureOut">
               <a:rPr lang="en-US" smtClean="0"/>
-              <a:t>8/16/2015</a:t>
+              <a:t>4/7/2016</a:t>
             </a:fld>
             <a:endParaRPr lang="en-US"/>
           </a:p>
@@ -415,7 +415,7 @@
           <a:p>
             <a:fld id="{E6572FD9-149D-4F0B-92E7-747A630B98D4}" type="datetimeFigureOut">
               <a:rPr lang="en-US" smtClean="0"/>
-              <a:t>8/16/2015</a:t>
+              <a:t>4/7/2016</a:t>
             </a:fld>
             <a:endParaRPr lang="en-US"/>
           </a:p>
@@ -595,7 +595,7 @@
           <a:p>
             <a:fld id="{E6572FD9-149D-4F0B-92E7-747A630B98D4}" type="datetimeFigureOut">
               <a:rPr lang="en-US" smtClean="0"/>
-              <a:t>8/16/2015</a:t>
+              <a:t>4/7/2016</a:t>
             </a:fld>
             <a:endParaRPr lang="en-US"/>
           </a:p>
@@ -765,7 +765,7 @@
           <a:p>
             <a:fld id="{E6572FD9-149D-4F0B-92E7-747A630B98D4}" type="datetimeFigureOut">
               <a:rPr lang="en-US" smtClean="0"/>
-              <a:t>8/16/2015</a:t>
+              <a:t>4/7/2016</a:t>
             </a:fld>
             <a:endParaRPr lang="en-US"/>
           </a:p>
@@ -1009,7 +1009,7 @@
           <a:p>
             <a:fld id="{E6572FD9-149D-4F0B-92E7-747A630B98D4}" type="datetimeFigureOut">
               <a:rPr lang="en-US" smtClean="0"/>
-              <a:t>8/16/2015</a:t>
+              <a:t>4/7/2016</a:t>
             </a:fld>
             <a:endParaRPr lang="en-US"/>
           </a:p>
@@ -1241,7 +1241,7 @@
           <a:p>
             <a:fld id="{E6572FD9-149D-4F0B-92E7-747A630B98D4}" type="datetimeFigureOut">
               <a:rPr lang="en-US" smtClean="0"/>
-              <a:t>8/16/2015</a:t>
+              <a:t>4/7/2016</a:t>
             </a:fld>
             <a:endParaRPr lang="en-US"/>
           </a:p>
@@ -1608,7 +1608,7 @@
           <a:p>
             <a:fld id="{E6572FD9-149D-4F0B-92E7-747A630B98D4}" type="datetimeFigureOut">
               <a:rPr lang="en-US" smtClean="0"/>
-              <a:t>8/16/2015</a:t>
+              <a:t>4/7/2016</a:t>
             </a:fld>
             <a:endParaRPr lang="en-US"/>
           </a:p>
@@ -1726,7 +1726,7 @@
           <a:p>
             <a:fld id="{E6572FD9-149D-4F0B-92E7-747A630B98D4}" type="datetimeFigureOut">
               <a:rPr lang="en-US" smtClean="0"/>
-              <a:t>8/16/2015</a:t>
+              <a:t>4/7/2016</a:t>
             </a:fld>
             <a:endParaRPr lang="en-US"/>
           </a:p>
@@ -1821,7 +1821,7 @@
           <a:p>
             <a:fld id="{E6572FD9-149D-4F0B-92E7-747A630B98D4}" type="datetimeFigureOut">
               <a:rPr lang="en-US" smtClean="0"/>
-              <a:t>8/16/2015</a:t>
+              <a:t>4/7/2016</a:t>
             </a:fld>
             <a:endParaRPr lang="en-US"/>
           </a:p>
@@ -2098,7 +2098,7 @@
           <a:p>
             <a:fld id="{E6572FD9-149D-4F0B-92E7-747A630B98D4}" type="datetimeFigureOut">
               <a:rPr lang="en-US" smtClean="0"/>
-              <a:t>8/16/2015</a:t>
+              <a:t>4/7/2016</a:t>
             </a:fld>
             <a:endParaRPr lang="en-US"/>
           </a:p>
@@ -2355,7 +2355,7 @@
           <a:p>
             <a:fld id="{E6572FD9-149D-4F0B-92E7-747A630B98D4}" type="datetimeFigureOut">
               <a:rPr lang="en-US" smtClean="0"/>
-              <a:t>8/16/2015</a:t>
+              <a:t>4/7/2016</a:t>
             </a:fld>
             <a:endParaRPr lang="en-US"/>
           </a:p>
@@ -2568,7 +2568,7 @@
           <a:p>
             <a:fld id="{E6572FD9-149D-4F0B-92E7-747A630B98D4}" type="datetimeFigureOut">
               <a:rPr lang="en-US" smtClean="0"/>
-              <a:t>8/16/2015</a:t>
+              <a:t>4/7/2016</a:t>
             </a:fld>
             <a:endParaRPr lang="en-US"/>
           </a:p>
@@ -3286,13 +3286,13 @@
         <p:nvCxnSpPr>
           <p:cNvPr id="9" name="Straight Arrow Connector 8"/>
           <p:cNvCxnSpPr>
-            <a:stCxn id="7" idx="2"/>
-            <a:endCxn id="6" idx="0"/>
+            <a:stCxn id="6" idx="0"/>
+            <a:endCxn id="7" idx="2"/>
           </p:cNvCxnSpPr>
           <p:nvPr/>
         </p:nvCxnSpPr>
         <p:spPr>
-          <a:xfrm>
+          <a:xfrm flipH="1" flipV="1">
             <a:off x="3999317" y="2949387"/>
             <a:ext cx="2658035" cy="583521"/>
           </a:xfrm>
@@ -3325,15 +3325,14 @@
         <p:nvCxnSpPr>
           <p:cNvPr id="8" name="Straight Arrow Connector 7"/>
           <p:cNvCxnSpPr>
-            <a:stCxn id="7" idx="2"/>
-            <a:endCxn id="5" idx="0"/>
+            <a:endCxn id="7" idx="2"/>
           </p:cNvCxnSpPr>
           <p:nvPr/>
         </p:nvCxnSpPr>
         <p:spPr>
-          <a:xfrm>
-            <a:off x="3999317" y="2949387"/>
-            <a:ext cx="1" cy="583521"/>
+          <a:xfrm flipV="1">
+            <a:off x="3999315" y="2949387"/>
+            <a:ext cx="2" cy="583521"/>
           </a:xfrm>
           <a:prstGeom prst="straightConnector1">
             <a:avLst/>
@@ -3364,13 +3363,13 @@
         <p:nvCxnSpPr>
           <p:cNvPr id="10" name="Straight Arrow Connector 9"/>
           <p:cNvCxnSpPr>
-            <a:stCxn id="7" idx="2"/>
-            <a:endCxn id="2" idx="0"/>
+            <a:stCxn id="2" idx="0"/>
+            <a:endCxn id="7" idx="2"/>
           </p:cNvCxnSpPr>
           <p:nvPr/>
         </p:nvCxnSpPr>
         <p:spPr>
-          <a:xfrm flipH="1">
+          <a:xfrm flipV="1">
             <a:off x="1312433" y="2949387"/>
             <a:ext cx="2686884" cy="583521"/>
           </a:xfrm>
@@ -3528,7 +3527,7 @@
         <p:spPr>
           <a:xfrm>
             <a:off x="5449072" y="2964148"/>
-            <a:ext cx="1795684" cy="307777"/>
+            <a:ext cx="1903085" cy="307777"/>
           </a:xfrm>
           <a:prstGeom prst="rect">
             <a:avLst/>
@@ -3546,7 +3545,7 @@
                 <a:latin typeface="Courier New" panose="02070309020205020404" pitchFamily="49" charset="0"/>
                 <a:cs typeface="Courier New" panose="02070309020205020404" pitchFamily="49" charset="0"/>
               </a:rPr>
-              <a:t>dcterms:hasPart</a:t>
+              <a:t>dcterms:isPartOf</a:t>
             </a:r>
             <a:endParaRPr lang="en-US" sz="1400" dirty="0">
               <a:latin typeface="Courier New" panose="02070309020205020404" pitchFamily="49" charset="0"/>
@@ -3557,14 +3556,14 @@
       </p:sp>
       <p:sp>
         <p:nvSpPr>
-          <p:cNvPr id="27" name="TextBox 26"/>
+          <p:cNvPr id="16" name="TextBox 15"/>
           <p:cNvSpPr txBox="1"/>
           <p:nvPr/>
         </p:nvSpPr>
         <p:spPr>
           <a:xfrm>
-            <a:off x="3999316" y="3280522"/>
-            <a:ext cx="1795684" cy="307777"/>
+            <a:off x="3999316" y="3271924"/>
+            <a:ext cx="1903085" cy="307777"/>
           </a:xfrm>
           <a:prstGeom prst="rect">
             <a:avLst/>
@@ -3582,7 +3581,7 @@
                 <a:latin typeface="Courier New" panose="02070309020205020404" pitchFamily="49" charset="0"/>
                 <a:cs typeface="Courier New" panose="02070309020205020404" pitchFamily="49" charset="0"/>
               </a:rPr>
-              <a:t>dcterms:hasPart</a:t>
+              <a:t>dcterms:isPartOf</a:t>
             </a:r>
             <a:endParaRPr lang="en-US" sz="1400" dirty="0">
               <a:latin typeface="Courier New" panose="02070309020205020404" pitchFamily="49" charset="0"/>
@@ -3593,14 +3592,14 @@
       </p:sp>
       <p:sp>
         <p:nvSpPr>
-          <p:cNvPr id="28" name="TextBox 27"/>
+          <p:cNvPr id="17" name="TextBox 16"/>
           <p:cNvSpPr txBox="1"/>
           <p:nvPr/>
         </p:nvSpPr>
         <p:spPr>
           <a:xfrm>
-            <a:off x="1037504" y="2964148"/>
-            <a:ext cx="1795684" cy="307777"/>
+            <a:off x="912550" y="2968280"/>
+            <a:ext cx="1903085" cy="307777"/>
           </a:xfrm>
           <a:prstGeom prst="rect">
             <a:avLst/>
@@ -3618,7 +3617,7 @@
                 <a:latin typeface="Courier New" panose="02070309020205020404" pitchFamily="49" charset="0"/>
                 <a:cs typeface="Courier New" panose="02070309020205020404" pitchFamily="49" charset="0"/>
               </a:rPr>
-              <a:t>dcterms:hasPart</a:t>
+              <a:t>dcterms:isPartOf</a:t>
             </a:r>
             <a:endParaRPr lang="en-US" sz="1400" dirty="0">
               <a:latin typeface="Courier New" panose="02070309020205020404" pitchFamily="49" charset="0"/>
@@ -4119,106 +4118,6 @@
       </p:sp>
       <p:sp>
         <p:nvSpPr>
-          <p:cNvPr id="13" name="TextBox 12"/>
-          <p:cNvSpPr txBox="1"/>
-          <p:nvPr/>
-        </p:nvSpPr>
-        <p:spPr>
-          <a:xfrm>
-            <a:off x="5351518" y="2964148"/>
-            <a:ext cx="1366080" cy="307777"/>
-          </a:xfrm>
-          <a:prstGeom prst="rect">
-            <a:avLst/>
-          </a:prstGeom>
-          <a:noFill/>
-        </p:spPr>
-        <p:txBody>
-          <a:bodyPr wrap="none" rtlCol="0">
-            <a:spAutoFit/>
-          </a:bodyPr>
-          <a:lstStyle/>
-          <a:p>
-            <a:r>
-              <a:rPr lang="en-US" sz="1400" dirty="0" smtClean="0">
-                <a:latin typeface="Courier New" panose="02070309020205020404" pitchFamily="49" charset="0"/>
-                <a:cs typeface="Courier New" panose="02070309020205020404" pitchFamily="49" charset="0"/>
-              </a:rPr>
-              <a:t>owl:imports</a:t>
-            </a:r>
-            <a:endParaRPr lang="en-US" sz="1400" dirty="0">
-              <a:latin typeface="Courier New" panose="02070309020205020404" pitchFamily="49" charset="0"/>
-              <a:cs typeface="Courier New" panose="02070309020205020404" pitchFamily="49" charset="0"/>
-            </a:endParaRPr>
-          </a:p>
-        </p:txBody>
-      </p:sp>
-      <p:sp>
-        <p:nvSpPr>
-          <p:cNvPr id="14" name="TextBox 13"/>
-          <p:cNvSpPr txBox="1"/>
-          <p:nvPr/>
-        </p:nvSpPr>
-        <p:spPr>
-          <a:xfrm>
-            <a:off x="3969713" y="3225131"/>
-            <a:ext cx="1366080" cy="307777"/>
-          </a:xfrm>
-          <a:prstGeom prst="rect">
-            <a:avLst/>
-          </a:prstGeom>
-          <a:noFill/>
-        </p:spPr>
-        <p:txBody>
-          <a:bodyPr wrap="none" rtlCol="0">
-            <a:spAutoFit/>
-          </a:bodyPr>
-          <a:lstStyle/>
-          <a:p>
-            <a:r>
-              <a:rPr lang="en-US" sz="1400" dirty="0">
-                <a:latin typeface="Courier New" panose="02070309020205020404" pitchFamily="49" charset="0"/>
-                <a:cs typeface="Courier New" panose="02070309020205020404" pitchFamily="49" charset="0"/>
-              </a:rPr>
-              <a:t>owl:imports</a:t>
-            </a:r>
-          </a:p>
-        </p:txBody>
-      </p:sp>
-      <p:sp>
-        <p:nvSpPr>
-          <p:cNvPr id="15" name="TextBox 14"/>
-          <p:cNvSpPr txBox="1"/>
-          <p:nvPr/>
-        </p:nvSpPr>
-        <p:spPr>
-          <a:xfrm>
-            <a:off x="1183482" y="2964148"/>
-            <a:ext cx="1366080" cy="307777"/>
-          </a:xfrm>
-          <a:prstGeom prst="rect">
-            <a:avLst/>
-          </a:prstGeom>
-          <a:noFill/>
-        </p:spPr>
-        <p:txBody>
-          <a:bodyPr wrap="none" rtlCol="0">
-            <a:spAutoFit/>
-          </a:bodyPr>
-          <a:lstStyle/>
-          <a:p>
-            <a:r>
-              <a:rPr lang="en-US" sz="1400" dirty="0">
-                <a:latin typeface="Courier New" panose="02070309020205020404" pitchFamily="49" charset="0"/>
-                <a:cs typeface="Courier New" panose="02070309020205020404" pitchFamily="49" charset="0"/>
-              </a:rPr>
-              <a:t>owl:imports</a:t>
-            </a:r>
-          </a:p>
-        </p:txBody>
-      </p:sp>
-      <p:sp>
-        <p:nvSpPr>
           <p:cNvPr id="16" name="Rounded Rectangle 15"/>
           <p:cNvSpPr/>
           <p:nvPr/>
@@ -4336,6 +4235,114 @@
               <a:t>Term list document</a:t>
             </a:r>
             <a:endParaRPr lang="en-US" dirty="0"/>
+          </a:p>
+        </p:txBody>
+      </p:sp>
+      <p:sp>
+        <p:nvSpPr>
+          <p:cNvPr id="17" name="TextBox 16"/>
+          <p:cNvSpPr txBox="1"/>
+          <p:nvPr/>
+        </p:nvSpPr>
+        <p:spPr>
+          <a:xfrm>
+            <a:off x="5317173" y="2949387"/>
+            <a:ext cx="1903085" cy="307777"/>
+          </a:xfrm>
+          <a:prstGeom prst="rect">
+            <a:avLst/>
+          </a:prstGeom>
+          <a:noFill/>
+        </p:spPr>
+        <p:txBody>
+          <a:bodyPr wrap="none" rtlCol="0">
+            <a:spAutoFit/>
+          </a:bodyPr>
+          <a:lstStyle/>
+          <a:p>
+            <a:r>
+              <a:rPr lang="en-US" sz="1400" dirty="0" smtClean="0">
+                <a:latin typeface="Courier New" panose="02070309020205020404" pitchFamily="49" charset="0"/>
+                <a:cs typeface="Courier New" panose="02070309020205020404" pitchFamily="49" charset="0"/>
+              </a:rPr>
+              <a:t>dcterms:isPartOf</a:t>
+            </a:r>
+            <a:endParaRPr lang="en-US" sz="1400" dirty="0">
+              <a:latin typeface="Courier New" panose="02070309020205020404" pitchFamily="49" charset="0"/>
+              <a:cs typeface="Courier New" panose="02070309020205020404" pitchFamily="49" charset="0"/>
+            </a:endParaRPr>
+          </a:p>
+        </p:txBody>
+      </p:sp>
+      <p:sp>
+        <p:nvSpPr>
+          <p:cNvPr id="18" name="TextBox 17"/>
+          <p:cNvSpPr txBox="1"/>
+          <p:nvPr/>
+        </p:nvSpPr>
+        <p:spPr>
+          <a:xfrm>
+            <a:off x="3953904" y="3273067"/>
+            <a:ext cx="1903085" cy="307777"/>
+          </a:xfrm>
+          <a:prstGeom prst="rect">
+            <a:avLst/>
+          </a:prstGeom>
+          <a:noFill/>
+        </p:spPr>
+        <p:txBody>
+          <a:bodyPr wrap="none" rtlCol="0">
+            <a:spAutoFit/>
+          </a:bodyPr>
+          <a:lstStyle/>
+          <a:p>
+            <a:r>
+              <a:rPr lang="en-US" sz="1400" dirty="0" smtClean="0">
+                <a:latin typeface="Courier New" panose="02070309020205020404" pitchFamily="49" charset="0"/>
+                <a:cs typeface="Courier New" panose="02070309020205020404" pitchFamily="49" charset="0"/>
+              </a:rPr>
+              <a:t>dcterms:isPartOf</a:t>
+            </a:r>
+            <a:endParaRPr lang="en-US" sz="1400" dirty="0">
+              <a:latin typeface="Courier New" panose="02070309020205020404" pitchFamily="49" charset="0"/>
+              <a:cs typeface="Courier New" panose="02070309020205020404" pitchFamily="49" charset="0"/>
+            </a:endParaRPr>
+          </a:p>
+        </p:txBody>
+      </p:sp>
+      <p:sp>
+        <p:nvSpPr>
+          <p:cNvPr id="19" name="TextBox 18"/>
+          <p:cNvSpPr txBox="1"/>
+          <p:nvPr/>
+        </p:nvSpPr>
+        <p:spPr>
+          <a:xfrm>
+            <a:off x="646477" y="2965290"/>
+            <a:ext cx="1903085" cy="307777"/>
+          </a:xfrm>
+          <a:prstGeom prst="rect">
+            <a:avLst/>
+          </a:prstGeom>
+          <a:noFill/>
+        </p:spPr>
+        <p:txBody>
+          <a:bodyPr wrap="none" rtlCol="0">
+            <a:spAutoFit/>
+          </a:bodyPr>
+          <a:lstStyle/>
+          <a:p>
+            <a:r>
+              <a:rPr lang="en-US" sz="1400" dirty="0" smtClean="0">
+                <a:latin typeface="Courier New" panose="02070309020205020404" pitchFamily="49" charset="0"/>
+                <a:cs typeface="Courier New" panose="02070309020205020404" pitchFamily="49" charset="0"/>
+              </a:rPr>
+              <a:t>dcterms:isPartOf</a:t>
+            </a:r>
+            <a:endParaRPr lang="en-US" sz="1400" dirty="0">
+              <a:latin typeface="Courier New" panose="02070309020205020404" pitchFamily="49" charset="0"/>
+              <a:cs typeface="Courier New" panose="02070309020205020404" pitchFamily="49" charset="0"/>
+            </a:endParaRPr>
           </a:p>
         </p:txBody>
       </p:sp>

--- a/diagrams.pptx
+++ b/diagrams.pptx
@@ -8,6 +8,7 @@
     <p:sldId id="257" r:id="rId2"/>
     <p:sldId id="259" r:id="rId3"/>
     <p:sldId id="258" r:id="rId4"/>
+    <p:sldId id="260" r:id="rId5"/>
   </p:sldIdLst>
   <p:sldSz cx="9144000" cy="6858000" type="screen4x3"/>
   <p:notesSz cx="6858000" cy="9144000"/>
@@ -245,7 +246,7 @@
           <a:p>
             <a:fld id="{E6572FD9-149D-4F0B-92E7-747A630B98D4}" type="datetimeFigureOut">
               <a:rPr lang="en-US" smtClean="0"/>
-              <a:t>4/7/2016</a:t>
+              <a:t>4/10/2016</a:t>
             </a:fld>
             <a:endParaRPr lang="en-US"/>
           </a:p>
@@ -415,7 +416,7 @@
           <a:p>
             <a:fld id="{E6572FD9-149D-4F0B-92E7-747A630B98D4}" type="datetimeFigureOut">
               <a:rPr lang="en-US" smtClean="0"/>
-              <a:t>4/7/2016</a:t>
+              <a:t>4/10/2016</a:t>
             </a:fld>
             <a:endParaRPr lang="en-US"/>
           </a:p>
@@ -595,7 +596,7 @@
           <a:p>
             <a:fld id="{E6572FD9-149D-4F0B-92E7-747A630B98D4}" type="datetimeFigureOut">
               <a:rPr lang="en-US" smtClean="0"/>
-              <a:t>4/7/2016</a:t>
+              <a:t>4/10/2016</a:t>
             </a:fld>
             <a:endParaRPr lang="en-US"/>
           </a:p>
@@ -765,7 +766,7 @@
           <a:p>
             <a:fld id="{E6572FD9-149D-4F0B-92E7-747A630B98D4}" type="datetimeFigureOut">
               <a:rPr lang="en-US" smtClean="0"/>
-              <a:t>4/7/2016</a:t>
+              <a:t>4/10/2016</a:t>
             </a:fld>
             <a:endParaRPr lang="en-US"/>
           </a:p>
@@ -1009,7 +1010,7 @@
           <a:p>
             <a:fld id="{E6572FD9-149D-4F0B-92E7-747A630B98D4}" type="datetimeFigureOut">
               <a:rPr lang="en-US" smtClean="0"/>
-              <a:t>4/7/2016</a:t>
+              <a:t>4/10/2016</a:t>
             </a:fld>
             <a:endParaRPr lang="en-US"/>
           </a:p>
@@ -1241,7 +1242,7 @@
           <a:p>
             <a:fld id="{E6572FD9-149D-4F0B-92E7-747A630B98D4}" type="datetimeFigureOut">
               <a:rPr lang="en-US" smtClean="0"/>
-              <a:t>4/7/2016</a:t>
+              <a:t>4/10/2016</a:t>
             </a:fld>
             <a:endParaRPr lang="en-US"/>
           </a:p>
@@ -1608,7 +1609,7 @@
           <a:p>
             <a:fld id="{E6572FD9-149D-4F0B-92E7-747A630B98D4}" type="datetimeFigureOut">
               <a:rPr lang="en-US" smtClean="0"/>
-              <a:t>4/7/2016</a:t>
+              <a:t>4/10/2016</a:t>
             </a:fld>
             <a:endParaRPr lang="en-US"/>
           </a:p>
@@ -1726,7 +1727,7 @@
           <a:p>
             <a:fld id="{E6572FD9-149D-4F0B-92E7-747A630B98D4}" type="datetimeFigureOut">
               <a:rPr lang="en-US" smtClean="0"/>
-              <a:t>4/7/2016</a:t>
+              <a:t>4/10/2016</a:t>
             </a:fld>
             <a:endParaRPr lang="en-US"/>
           </a:p>
@@ -1821,7 +1822,7 @@
           <a:p>
             <a:fld id="{E6572FD9-149D-4F0B-92E7-747A630B98D4}" type="datetimeFigureOut">
               <a:rPr lang="en-US" smtClean="0"/>
-              <a:t>4/7/2016</a:t>
+              <a:t>4/10/2016</a:t>
             </a:fld>
             <a:endParaRPr lang="en-US"/>
           </a:p>
@@ -2098,7 +2099,7 @@
           <a:p>
             <a:fld id="{E6572FD9-149D-4F0B-92E7-747A630B98D4}" type="datetimeFigureOut">
               <a:rPr lang="en-US" smtClean="0"/>
-              <a:t>4/7/2016</a:t>
+              <a:t>4/10/2016</a:t>
             </a:fld>
             <a:endParaRPr lang="en-US"/>
           </a:p>
@@ -2355,7 +2356,7 @@
           <a:p>
             <a:fld id="{E6572FD9-149D-4F0B-92E7-747A630B98D4}" type="datetimeFigureOut">
               <a:rPr lang="en-US" smtClean="0"/>
-              <a:t>4/7/2016</a:t>
+              <a:t>4/10/2016</a:t>
             </a:fld>
             <a:endParaRPr lang="en-US"/>
           </a:p>
@@ -2568,7 +2569,7 @@
           <a:p>
             <a:fld id="{E6572FD9-149D-4F0B-92E7-747A630B98D4}" type="datetimeFigureOut">
               <a:rPr lang="en-US" smtClean="0"/>
-              <a:t>4/7/2016</a:t>
+              <a:t>4/10/2016</a:t>
             </a:fld>
             <a:endParaRPr lang="en-US"/>
           </a:p>
@@ -5018,6 +5019,821 @@
 </p:sld>
 </file>
 
+<file path=ppt/slides/slide4.xml><?xml version="1.0" encoding="utf-8"?>
+<p:sld xmlns:a="http://schemas.openxmlformats.org/drawingml/2006/main" xmlns:r="http://schemas.openxmlformats.org/officeDocument/2006/relationships" xmlns:p="http://schemas.openxmlformats.org/presentationml/2006/main">
+  <p:cSld>
+    <p:spTree>
+      <p:nvGrpSpPr>
+        <p:cNvPr id="1" name=""/>
+        <p:cNvGrpSpPr/>
+        <p:nvPr/>
+      </p:nvGrpSpPr>
+      <p:grpSpPr>
+        <a:xfrm>
+          <a:off x="0" y="0"/>
+          <a:ext cx="0" cy="0"/>
+          <a:chOff x="0" y="0"/>
+          <a:chExt cx="0" cy="0"/>
+        </a:xfrm>
+      </p:grpSpPr>
+      <p:sp>
+        <p:nvSpPr>
+          <p:cNvPr id="2" name="Rounded Rectangle 1"/>
+          <p:cNvSpPr/>
+          <p:nvPr/>
+        </p:nvSpPr>
+        <p:spPr>
+          <a:xfrm>
+            <a:off x="75304" y="3532908"/>
+            <a:ext cx="2474258" cy="727119"/>
+          </a:xfrm>
+          <a:prstGeom prst="roundRect">
+            <a:avLst/>
+          </a:prstGeom>
+          <a:solidFill>
+            <a:schemeClr val="bg2">
+              <a:lumMod val="90000"/>
+            </a:schemeClr>
+          </a:solidFill>
+        </p:spPr>
+        <p:style>
+          <a:lnRef idx="2">
+            <a:schemeClr val="accent1">
+              <a:shade val="50000"/>
+            </a:schemeClr>
+          </a:lnRef>
+          <a:fillRef idx="1">
+            <a:schemeClr val="accent1"/>
+          </a:fillRef>
+          <a:effectRef idx="0">
+            <a:schemeClr val="accent1"/>
+          </a:effectRef>
+          <a:fontRef idx="minor">
+            <a:schemeClr val="lt1"/>
+          </a:fontRef>
+        </p:style>
+        <p:txBody>
+          <a:bodyPr rtlCol="0" anchor="ctr"/>
+          <a:lstStyle/>
+          <a:p>
+            <a:r>
+              <a:rPr lang="en-US" sz="1000" dirty="0" smtClean="0">
+                <a:solidFill>
+                  <a:schemeClr val="tx1"/>
+                </a:solidFill>
+              </a:rPr>
+              <a:t>title: </a:t>
+            </a:r>
+            <a:r>
+              <a:rPr lang="en-US" sz="1000" dirty="0" smtClean="0">
+                <a:solidFill>
+                  <a:schemeClr val="tx1"/>
+                </a:solidFill>
+              </a:rPr>
+              <a:t>"HTML distribution of </a:t>
+            </a:r>
+            <a:r>
+              <a:rPr lang="en-US" sz="1000" dirty="0">
+                <a:solidFill>
+                  <a:schemeClr val="tx1"/>
+                </a:solidFill>
+              </a:rPr>
+              <a:t>X </a:t>
+            </a:r>
+            <a:r>
+              <a:rPr lang="en-US" sz="1000" dirty="0" smtClean="0">
+                <a:solidFill>
+                  <a:schemeClr val="tx1"/>
+                </a:solidFill>
+              </a:rPr>
+              <a:t>vocabulary defined </a:t>
+            </a:r>
+            <a:r>
+              <a:rPr lang="en-US" sz="1000" dirty="0" smtClean="0">
+                <a:solidFill>
+                  <a:schemeClr val="tx1"/>
+                </a:solidFill>
+              </a:rPr>
+              <a:t>terms"</a:t>
+            </a:r>
+            <a:endParaRPr lang="en-US" sz="1000" dirty="0" smtClean="0">
+              <a:solidFill>
+                <a:schemeClr val="tx1"/>
+              </a:solidFill>
+            </a:endParaRPr>
+          </a:p>
+          <a:p>
+            <a:r>
+              <a:rPr lang="en-US" sz="1000" dirty="0" smtClean="0">
+                <a:solidFill>
+                  <a:schemeClr val="tx1"/>
+                </a:solidFill>
+              </a:rPr>
+              <a:t>iri: &lt;http://</a:t>
+            </a:r>
+            <a:r>
+              <a:rPr lang="en-US" sz="1000" dirty="0" smtClean="0">
+                <a:solidFill>
+                  <a:schemeClr val="tx1"/>
+                </a:solidFill>
+              </a:rPr>
+              <a:t>tdwg.org/stdx/terms/html&gt;</a:t>
+            </a:r>
+            <a:endParaRPr lang="en-US" sz="1000" dirty="0" smtClean="0">
+              <a:solidFill>
+                <a:schemeClr val="tx1"/>
+              </a:solidFill>
+            </a:endParaRPr>
+          </a:p>
+        </p:txBody>
+      </p:sp>
+      <p:sp>
+        <p:nvSpPr>
+          <p:cNvPr id="3" name="Rounded Rectangle 2"/>
+          <p:cNvSpPr/>
+          <p:nvPr/>
+        </p:nvSpPr>
+        <p:spPr>
+          <a:xfrm>
+            <a:off x="2662843" y="3532908"/>
+            <a:ext cx="2672949" cy="727119"/>
+          </a:xfrm>
+          <a:prstGeom prst="roundRect">
+            <a:avLst/>
+          </a:prstGeom>
+          <a:solidFill>
+            <a:schemeClr val="bg2">
+              <a:lumMod val="90000"/>
+            </a:schemeClr>
+          </a:solidFill>
+        </p:spPr>
+        <p:style>
+          <a:lnRef idx="2">
+            <a:schemeClr val="accent1">
+              <a:shade val="50000"/>
+            </a:schemeClr>
+          </a:lnRef>
+          <a:fillRef idx="1">
+            <a:schemeClr val="accent1"/>
+          </a:fillRef>
+          <a:effectRef idx="0">
+            <a:schemeClr val="accent1"/>
+          </a:effectRef>
+          <a:fontRef idx="minor">
+            <a:schemeClr val="lt1"/>
+          </a:fontRef>
+        </p:style>
+        <p:txBody>
+          <a:bodyPr rtlCol="0" anchor="ctr"/>
+          <a:lstStyle/>
+          <a:p>
+            <a:r>
+              <a:rPr lang="en-US" sz="1000" dirty="0">
+                <a:solidFill>
+                  <a:schemeClr val="tx1"/>
+                </a:solidFill>
+              </a:rPr>
+              <a:t>title: </a:t>
+            </a:r>
+            <a:r>
+              <a:rPr lang="en-US" sz="1000" dirty="0" smtClean="0">
+                <a:solidFill>
+                  <a:schemeClr val="tx1"/>
+                </a:solidFill>
+              </a:rPr>
+              <a:t>"RDF/Turtle </a:t>
+            </a:r>
+            <a:r>
+              <a:rPr lang="en-US" sz="1000" dirty="0">
+                <a:solidFill>
+                  <a:schemeClr val="tx1"/>
+                </a:solidFill>
+              </a:rPr>
+              <a:t>distribution of X vocabulary defined </a:t>
+            </a:r>
+            <a:r>
+              <a:rPr lang="en-US" sz="1000" dirty="0" smtClean="0">
+                <a:solidFill>
+                  <a:schemeClr val="tx1"/>
+                </a:solidFill>
+              </a:rPr>
+              <a:t>terms"</a:t>
+            </a:r>
+            <a:endParaRPr lang="en-US" sz="1000" dirty="0">
+              <a:solidFill>
+                <a:schemeClr val="tx1"/>
+              </a:solidFill>
+            </a:endParaRPr>
+          </a:p>
+          <a:p>
+            <a:r>
+              <a:rPr lang="en-US" sz="1000" dirty="0" smtClean="0">
+                <a:solidFill>
+                  <a:schemeClr val="tx1"/>
+                </a:solidFill>
+              </a:rPr>
+              <a:t>iri</a:t>
+            </a:r>
+            <a:r>
+              <a:rPr lang="en-US" sz="1000" dirty="0" smtClean="0">
+                <a:solidFill>
+                  <a:schemeClr val="tx1"/>
+                </a:solidFill>
+              </a:rPr>
+              <a:t>: </a:t>
+            </a:r>
+            <a:r>
+              <a:rPr lang="en-US" sz="1000" dirty="0">
+                <a:solidFill>
+                  <a:schemeClr val="tx1"/>
+                </a:solidFill>
+              </a:rPr>
+              <a:t>&lt;http://</a:t>
+            </a:r>
+            <a:r>
+              <a:rPr lang="en-US" sz="1000" dirty="0" smtClean="0">
+                <a:solidFill>
+                  <a:schemeClr val="tx1"/>
+                </a:solidFill>
+              </a:rPr>
+              <a:t>tdwg.org/stdx/terms/ttl&gt;</a:t>
+            </a:r>
+            <a:endParaRPr lang="en-US" sz="1000" dirty="0" smtClean="0">
+              <a:solidFill>
+                <a:schemeClr val="tx1"/>
+              </a:solidFill>
+            </a:endParaRPr>
+          </a:p>
+        </p:txBody>
+      </p:sp>
+      <p:sp>
+        <p:nvSpPr>
+          <p:cNvPr id="4" name="Rounded Rectangle 3"/>
+          <p:cNvSpPr/>
+          <p:nvPr/>
+        </p:nvSpPr>
+        <p:spPr>
+          <a:xfrm>
+            <a:off x="5449073" y="3532908"/>
+            <a:ext cx="2416558" cy="727119"/>
+          </a:xfrm>
+          <a:prstGeom prst="roundRect">
+            <a:avLst/>
+          </a:prstGeom>
+          <a:solidFill>
+            <a:schemeClr val="bg2">
+              <a:lumMod val="90000"/>
+            </a:schemeClr>
+          </a:solidFill>
+        </p:spPr>
+        <p:style>
+          <a:lnRef idx="2">
+            <a:schemeClr val="accent1">
+              <a:shade val="50000"/>
+            </a:schemeClr>
+          </a:lnRef>
+          <a:fillRef idx="1">
+            <a:schemeClr val="accent1"/>
+          </a:fillRef>
+          <a:effectRef idx="0">
+            <a:schemeClr val="accent1"/>
+          </a:effectRef>
+          <a:fontRef idx="minor">
+            <a:schemeClr val="lt1"/>
+          </a:fontRef>
+        </p:style>
+        <p:txBody>
+          <a:bodyPr rtlCol="0" anchor="ctr"/>
+          <a:lstStyle/>
+          <a:p>
+            <a:r>
+              <a:rPr lang="en-US" sz="1000" dirty="0" smtClean="0">
+                <a:solidFill>
+                  <a:schemeClr val="tx1"/>
+                </a:solidFill>
+              </a:rPr>
+              <a:t>title</a:t>
+            </a:r>
+            <a:r>
+              <a:rPr lang="en-US" sz="1000" dirty="0">
+                <a:solidFill>
+                  <a:schemeClr val="tx1"/>
+                </a:solidFill>
+              </a:rPr>
+              <a:t>: </a:t>
+            </a:r>
+            <a:r>
+              <a:rPr lang="en-US" sz="1000" dirty="0" smtClean="0">
+                <a:solidFill>
+                  <a:schemeClr val="tx1"/>
+                </a:solidFill>
+              </a:rPr>
+              <a:t>"JSON-LD </a:t>
+            </a:r>
+            <a:r>
+              <a:rPr lang="en-US" sz="1000" dirty="0">
+                <a:solidFill>
+                  <a:schemeClr val="tx1"/>
+                </a:solidFill>
+              </a:rPr>
+              <a:t>distribution of X vocabulary defined terms"</a:t>
+            </a:r>
+            <a:endParaRPr lang="en-US" sz="1000" dirty="0" smtClean="0">
+              <a:solidFill>
+                <a:schemeClr val="tx1"/>
+              </a:solidFill>
+            </a:endParaRPr>
+          </a:p>
+          <a:p>
+            <a:r>
+              <a:rPr lang="en-US" sz="1000" dirty="0" smtClean="0">
+                <a:solidFill>
+                  <a:schemeClr val="tx1"/>
+                </a:solidFill>
+              </a:rPr>
+              <a:t>iri</a:t>
+            </a:r>
+            <a:r>
+              <a:rPr lang="en-US" sz="1000" dirty="0" smtClean="0">
+                <a:solidFill>
+                  <a:schemeClr val="tx1"/>
+                </a:solidFill>
+              </a:rPr>
+              <a:t>: </a:t>
+            </a:r>
+            <a:r>
+              <a:rPr lang="en-US" sz="1000" dirty="0">
+                <a:solidFill>
+                  <a:schemeClr val="tx1"/>
+                </a:solidFill>
+              </a:rPr>
+              <a:t>&lt;http://</a:t>
+            </a:r>
+            <a:r>
+              <a:rPr lang="en-US" sz="1000" dirty="0" smtClean="0">
+                <a:solidFill>
+                  <a:schemeClr val="tx1"/>
+                </a:solidFill>
+              </a:rPr>
+              <a:t>tdwg.org/stdx/terms/json&gt;</a:t>
+            </a:r>
+            <a:endParaRPr lang="en-US" sz="1000" dirty="0" smtClean="0">
+              <a:solidFill>
+                <a:schemeClr val="tx1"/>
+              </a:solidFill>
+            </a:endParaRPr>
+          </a:p>
+        </p:txBody>
+      </p:sp>
+      <p:cxnSp>
+        <p:nvCxnSpPr>
+          <p:cNvPr id="5" name="Straight Arrow Connector 4"/>
+          <p:cNvCxnSpPr>
+            <a:stCxn id="16" idx="2"/>
+            <a:endCxn id="4" idx="0"/>
+          </p:cNvCxnSpPr>
+          <p:nvPr/>
+        </p:nvCxnSpPr>
+        <p:spPr>
+          <a:xfrm>
+            <a:off x="3999316" y="2957443"/>
+            <a:ext cx="2658036" cy="575465"/>
+          </a:xfrm>
+          <a:prstGeom prst="straightConnector1">
+            <a:avLst/>
+          </a:prstGeom>
+          <a:ln w="28575">
+            <a:solidFill>
+              <a:schemeClr val="tx1"/>
+            </a:solidFill>
+            <a:tailEnd type="triangle" w="lg" len="lg"/>
+          </a:ln>
+        </p:spPr>
+        <p:style>
+          <a:lnRef idx="1">
+            <a:schemeClr val="accent1"/>
+          </a:lnRef>
+          <a:fillRef idx="0">
+            <a:schemeClr val="accent1"/>
+          </a:fillRef>
+          <a:effectRef idx="0">
+            <a:schemeClr val="accent1"/>
+          </a:effectRef>
+          <a:fontRef idx="minor">
+            <a:schemeClr val="tx1"/>
+          </a:fontRef>
+        </p:style>
+      </p:cxnSp>
+      <p:cxnSp>
+        <p:nvCxnSpPr>
+          <p:cNvPr id="6" name="Straight Arrow Connector 5"/>
+          <p:cNvCxnSpPr>
+            <a:stCxn id="16" idx="2"/>
+            <a:endCxn id="3" idx="0"/>
+          </p:cNvCxnSpPr>
+          <p:nvPr/>
+        </p:nvCxnSpPr>
+        <p:spPr>
+          <a:xfrm>
+            <a:off x="3999316" y="2957443"/>
+            <a:ext cx="2" cy="575465"/>
+          </a:xfrm>
+          <a:prstGeom prst="straightConnector1">
+            <a:avLst/>
+          </a:prstGeom>
+          <a:ln w="28575">
+            <a:solidFill>
+              <a:schemeClr val="tx1"/>
+            </a:solidFill>
+            <a:tailEnd type="triangle" w="lg" len="lg"/>
+          </a:ln>
+        </p:spPr>
+        <p:style>
+          <a:lnRef idx="1">
+            <a:schemeClr val="accent1"/>
+          </a:lnRef>
+          <a:fillRef idx="0">
+            <a:schemeClr val="accent1"/>
+          </a:fillRef>
+          <a:effectRef idx="0">
+            <a:schemeClr val="accent1"/>
+          </a:effectRef>
+          <a:fontRef idx="minor">
+            <a:schemeClr val="tx1"/>
+          </a:fontRef>
+        </p:style>
+      </p:cxnSp>
+      <p:cxnSp>
+        <p:nvCxnSpPr>
+          <p:cNvPr id="7" name="Straight Arrow Connector 6"/>
+          <p:cNvCxnSpPr>
+            <a:stCxn id="16" idx="2"/>
+            <a:endCxn id="2" idx="0"/>
+          </p:cNvCxnSpPr>
+          <p:nvPr/>
+        </p:nvCxnSpPr>
+        <p:spPr>
+          <a:xfrm flipH="1">
+            <a:off x="1312433" y="2957443"/>
+            <a:ext cx="2686883" cy="575465"/>
+          </a:xfrm>
+          <a:prstGeom prst="straightConnector1">
+            <a:avLst/>
+          </a:prstGeom>
+          <a:ln w="28575">
+            <a:solidFill>
+              <a:schemeClr val="tx1"/>
+            </a:solidFill>
+            <a:tailEnd type="triangle" w="lg" len="lg"/>
+          </a:ln>
+        </p:spPr>
+        <p:style>
+          <a:lnRef idx="1">
+            <a:schemeClr val="accent1"/>
+          </a:lnRef>
+          <a:fillRef idx="0">
+            <a:schemeClr val="accent1"/>
+          </a:fillRef>
+          <a:effectRef idx="0">
+            <a:schemeClr val="accent1"/>
+          </a:effectRef>
+          <a:fontRef idx="minor">
+            <a:schemeClr val="tx1"/>
+          </a:fontRef>
+        </p:style>
+      </p:cxnSp>
+      <p:sp>
+        <p:nvSpPr>
+          <p:cNvPr id="9" name="TextBox 8"/>
+          <p:cNvSpPr txBox="1"/>
+          <p:nvPr/>
+        </p:nvSpPr>
+        <p:spPr>
+          <a:xfrm>
+            <a:off x="3352023" y="4466160"/>
+            <a:ext cx="1294585" cy="369332"/>
+          </a:xfrm>
+          <a:prstGeom prst="rect">
+            <a:avLst/>
+          </a:prstGeom>
+          <a:noFill/>
+        </p:spPr>
+        <p:txBody>
+          <a:bodyPr wrap="none" rtlCol="0">
+            <a:spAutoFit/>
+          </a:bodyPr>
+          <a:lstStyle/>
+          <a:p>
+            <a:r>
+              <a:rPr lang="en-US" dirty="0" smtClean="0"/>
+              <a:t>Distribution</a:t>
+            </a:r>
+            <a:endParaRPr lang="en-US" dirty="0"/>
+          </a:p>
+        </p:txBody>
+      </p:sp>
+      <p:sp>
+        <p:nvSpPr>
+          <p:cNvPr id="11" name="TextBox 10"/>
+          <p:cNvSpPr txBox="1"/>
+          <p:nvPr/>
+        </p:nvSpPr>
+        <p:spPr>
+          <a:xfrm>
+            <a:off x="770488" y="2224552"/>
+            <a:ext cx="1991699" cy="369332"/>
+          </a:xfrm>
+          <a:prstGeom prst="rect">
+            <a:avLst/>
+          </a:prstGeom>
+          <a:noFill/>
+        </p:spPr>
+        <p:txBody>
+          <a:bodyPr wrap="none" rtlCol="0">
+            <a:spAutoFit/>
+          </a:bodyPr>
+          <a:lstStyle/>
+          <a:p>
+            <a:r>
+              <a:rPr lang="en-US" dirty="0" smtClean="0"/>
+              <a:t>Term list document</a:t>
+            </a:r>
+            <a:endParaRPr lang="en-US" dirty="0"/>
+          </a:p>
+        </p:txBody>
+      </p:sp>
+      <p:sp>
+        <p:nvSpPr>
+          <p:cNvPr id="13" name="TextBox 12"/>
+          <p:cNvSpPr txBox="1"/>
+          <p:nvPr/>
+        </p:nvSpPr>
+        <p:spPr>
+          <a:xfrm>
+            <a:off x="5317173" y="2949387"/>
+            <a:ext cx="2010487" cy="307777"/>
+          </a:xfrm>
+          <a:prstGeom prst="rect">
+            <a:avLst/>
+          </a:prstGeom>
+          <a:noFill/>
+        </p:spPr>
+        <p:txBody>
+          <a:bodyPr wrap="none" rtlCol="0">
+            <a:spAutoFit/>
+          </a:bodyPr>
+          <a:lstStyle/>
+          <a:p>
+            <a:r>
+              <a:rPr lang="en-US" sz="1400" dirty="0" smtClean="0">
+                <a:latin typeface="Courier New" panose="02070309020205020404" pitchFamily="49" charset="0"/>
+                <a:cs typeface="Courier New" panose="02070309020205020404" pitchFamily="49" charset="0"/>
+              </a:rPr>
+              <a:t>dcat:distribution</a:t>
+            </a:r>
+            <a:endParaRPr lang="en-US" sz="1400" dirty="0">
+              <a:latin typeface="Courier New" panose="02070309020205020404" pitchFamily="49" charset="0"/>
+              <a:cs typeface="Courier New" panose="02070309020205020404" pitchFamily="49" charset="0"/>
+            </a:endParaRPr>
+          </a:p>
+        </p:txBody>
+      </p:sp>
+      <p:sp>
+        <p:nvSpPr>
+          <p:cNvPr id="16" name="Rounded Rectangle 15"/>
+          <p:cNvSpPr/>
+          <p:nvPr/>
+        </p:nvSpPr>
+        <p:spPr>
+          <a:xfrm>
+            <a:off x="2762187" y="2230324"/>
+            <a:ext cx="2474258" cy="727119"/>
+          </a:xfrm>
+          <a:prstGeom prst="roundRect">
+            <a:avLst/>
+          </a:prstGeom>
+          <a:solidFill>
+            <a:schemeClr val="accent1">
+              <a:lumMod val="40000"/>
+              <a:lumOff val="60000"/>
+            </a:schemeClr>
+          </a:solidFill>
+        </p:spPr>
+        <p:style>
+          <a:lnRef idx="2">
+            <a:schemeClr val="accent1">
+              <a:shade val="50000"/>
+            </a:schemeClr>
+          </a:lnRef>
+          <a:fillRef idx="1">
+            <a:schemeClr val="accent1"/>
+          </a:fillRef>
+          <a:effectRef idx="0">
+            <a:schemeClr val="accent1"/>
+          </a:effectRef>
+          <a:fontRef idx="minor">
+            <a:schemeClr val="lt1"/>
+          </a:fontRef>
+        </p:style>
+        <p:txBody>
+          <a:bodyPr rtlCol="0" anchor="ctr"/>
+          <a:lstStyle/>
+          <a:p>
+            <a:r>
+              <a:rPr lang="en-US" sz="1000" dirty="0" smtClean="0">
+                <a:solidFill>
+                  <a:schemeClr val="tx1"/>
+                </a:solidFill>
+              </a:rPr>
+              <a:t>title: </a:t>
+            </a:r>
+            <a:r>
+              <a:rPr lang="en-US" sz="1000" dirty="0" smtClean="0">
+                <a:solidFill>
+                  <a:schemeClr val="tx1"/>
+                </a:solidFill>
+              </a:rPr>
+              <a:t>"X </a:t>
+            </a:r>
+            <a:r>
+              <a:rPr lang="en-US" sz="1000" dirty="0" smtClean="0">
+                <a:solidFill>
+                  <a:schemeClr val="tx1"/>
+                </a:solidFill>
+              </a:rPr>
+              <a:t>vocabulary defined </a:t>
+            </a:r>
+            <a:r>
+              <a:rPr lang="en-US" sz="1000" dirty="0" smtClean="0">
+                <a:solidFill>
+                  <a:schemeClr val="tx1"/>
+                </a:solidFill>
+              </a:rPr>
+              <a:t>terms"</a:t>
+            </a:r>
+            <a:endParaRPr lang="en-US" sz="1000" dirty="0" smtClean="0">
+              <a:solidFill>
+                <a:schemeClr val="tx1"/>
+              </a:solidFill>
+            </a:endParaRPr>
+          </a:p>
+          <a:p>
+            <a:r>
+              <a:rPr lang="en-US" sz="1000" dirty="0" smtClean="0">
+                <a:solidFill>
+                  <a:schemeClr val="tx1"/>
+                </a:solidFill>
+              </a:rPr>
+              <a:t>iri: &lt;http://tdwg.org/stdx/terms&gt;</a:t>
+            </a:r>
+          </a:p>
+        </p:txBody>
+      </p:sp>
+      <p:sp>
+        <p:nvSpPr>
+          <p:cNvPr id="29" name="TextBox 28"/>
+          <p:cNvSpPr txBox="1"/>
+          <p:nvPr/>
+        </p:nvSpPr>
+        <p:spPr>
+          <a:xfrm>
+            <a:off x="3999316" y="3291585"/>
+            <a:ext cx="2010487" cy="307777"/>
+          </a:xfrm>
+          <a:prstGeom prst="rect">
+            <a:avLst/>
+          </a:prstGeom>
+          <a:noFill/>
+        </p:spPr>
+        <p:txBody>
+          <a:bodyPr wrap="none" rtlCol="0">
+            <a:spAutoFit/>
+          </a:bodyPr>
+          <a:lstStyle/>
+          <a:p>
+            <a:r>
+              <a:rPr lang="en-US" sz="1400" dirty="0" smtClean="0">
+                <a:latin typeface="Courier New" panose="02070309020205020404" pitchFamily="49" charset="0"/>
+                <a:cs typeface="Courier New" panose="02070309020205020404" pitchFamily="49" charset="0"/>
+              </a:rPr>
+              <a:t>dcat:distribution</a:t>
+            </a:r>
+            <a:endParaRPr lang="en-US" sz="1400" dirty="0">
+              <a:latin typeface="Courier New" panose="02070309020205020404" pitchFamily="49" charset="0"/>
+              <a:cs typeface="Courier New" panose="02070309020205020404" pitchFamily="49" charset="0"/>
+            </a:endParaRPr>
+          </a:p>
+        </p:txBody>
+      </p:sp>
+      <p:sp>
+        <p:nvSpPr>
+          <p:cNvPr id="30" name="TextBox 29"/>
+          <p:cNvSpPr txBox="1"/>
+          <p:nvPr/>
+        </p:nvSpPr>
+        <p:spPr>
+          <a:xfrm>
+            <a:off x="866856" y="2960016"/>
+            <a:ext cx="2010487" cy="307777"/>
+          </a:xfrm>
+          <a:prstGeom prst="rect">
+            <a:avLst/>
+          </a:prstGeom>
+          <a:noFill/>
+        </p:spPr>
+        <p:txBody>
+          <a:bodyPr wrap="none" rtlCol="0">
+            <a:spAutoFit/>
+          </a:bodyPr>
+          <a:lstStyle/>
+          <a:p>
+            <a:r>
+              <a:rPr lang="en-US" sz="1400" dirty="0" smtClean="0">
+                <a:latin typeface="Courier New" panose="02070309020205020404" pitchFamily="49" charset="0"/>
+                <a:cs typeface="Courier New" panose="02070309020205020404" pitchFamily="49" charset="0"/>
+              </a:rPr>
+              <a:t>dcat:distribution</a:t>
+            </a:r>
+            <a:endParaRPr lang="en-US" sz="1400" dirty="0">
+              <a:latin typeface="Courier New" panose="02070309020205020404" pitchFamily="49" charset="0"/>
+              <a:cs typeface="Courier New" panose="02070309020205020404" pitchFamily="49" charset="0"/>
+            </a:endParaRPr>
+          </a:p>
+        </p:txBody>
+      </p:sp>
+      <p:sp>
+        <p:nvSpPr>
+          <p:cNvPr id="31" name="TextBox 30"/>
+          <p:cNvSpPr txBox="1"/>
+          <p:nvPr/>
+        </p:nvSpPr>
+        <p:spPr>
+          <a:xfrm>
+            <a:off x="6033075" y="4466160"/>
+            <a:ext cx="1294585" cy="369332"/>
+          </a:xfrm>
+          <a:prstGeom prst="rect">
+            <a:avLst/>
+          </a:prstGeom>
+          <a:noFill/>
+        </p:spPr>
+        <p:txBody>
+          <a:bodyPr wrap="none" rtlCol="0">
+            <a:spAutoFit/>
+          </a:bodyPr>
+          <a:lstStyle/>
+          <a:p>
+            <a:r>
+              <a:rPr lang="en-US" dirty="0" smtClean="0"/>
+              <a:t>Distribution</a:t>
+            </a:r>
+            <a:endParaRPr lang="en-US" dirty="0"/>
+          </a:p>
+        </p:txBody>
+      </p:sp>
+      <p:sp>
+        <p:nvSpPr>
+          <p:cNvPr id="32" name="TextBox 31"/>
+          <p:cNvSpPr txBox="1"/>
+          <p:nvPr/>
+        </p:nvSpPr>
+        <p:spPr>
+          <a:xfrm>
+            <a:off x="670971" y="4466160"/>
+            <a:ext cx="1294585" cy="369332"/>
+          </a:xfrm>
+          <a:prstGeom prst="rect">
+            <a:avLst/>
+          </a:prstGeom>
+          <a:noFill/>
+        </p:spPr>
+        <p:txBody>
+          <a:bodyPr wrap="none" rtlCol="0">
+            <a:spAutoFit/>
+          </a:bodyPr>
+          <a:lstStyle/>
+          <a:p>
+            <a:r>
+              <a:rPr lang="en-US" dirty="0" smtClean="0"/>
+              <a:t>Distribution</a:t>
+            </a:r>
+            <a:endParaRPr lang="en-US" dirty="0"/>
+          </a:p>
+        </p:txBody>
+      </p:sp>
+    </p:spTree>
+    <p:extLst>
+      <p:ext uri="{BB962C8B-B14F-4D97-AF65-F5344CB8AC3E}">
+        <p14:creationId xmlns:p14="http://schemas.microsoft.com/office/powerpoint/2010/main" val="3043366326"/>
+      </p:ext>
+    </p:extLst>
+  </p:cSld>
+  <p:clrMapOvr>
+    <a:masterClrMapping/>
+  </p:clrMapOvr>
+</p:sld>
+</file>
+
 <file path=ppt/theme/theme1.xml><?xml version="1.0" encoding="utf-8"?>
 <a:theme xmlns:a="http://schemas.openxmlformats.org/drawingml/2006/main" name="Office Theme">
   <a:themeElements>

--- a/diagrams.pptx
+++ b/diagrams.pptx
@@ -246,7 +246,7 @@
           <a:p>
             <a:fld id="{E6572FD9-149D-4F0B-92E7-747A630B98D4}" type="datetimeFigureOut">
               <a:rPr lang="en-US" smtClean="0"/>
-              <a:t>4/10/2016</a:t>
+              <a:t>1/18/2017</a:t>
             </a:fld>
             <a:endParaRPr lang="en-US"/>
           </a:p>
@@ -416,7 +416,7 @@
           <a:p>
             <a:fld id="{E6572FD9-149D-4F0B-92E7-747A630B98D4}" type="datetimeFigureOut">
               <a:rPr lang="en-US" smtClean="0"/>
-              <a:t>4/10/2016</a:t>
+              <a:t>1/18/2017</a:t>
             </a:fld>
             <a:endParaRPr lang="en-US"/>
           </a:p>
@@ -596,7 +596,7 @@
           <a:p>
             <a:fld id="{E6572FD9-149D-4F0B-92E7-747A630B98D4}" type="datetimeFigureOut">
               <a:rPr lang="en-US" smtClean="0"/>
-              <a:t>4/10/2016</a:t>
+              <a:t>1/18/2017</a:t>
             </a:fld>
             <a:endParaRPr lang="en-US"/>
           </a:p>
@@ -766,7 +766,7 @@
           <a:p>
             <a:fld id="{E6572FD9-149D-4F0B-92E7-747A630B98D4}" type="datetimeFigureOut">
               <a:rPr lang="en-US" smtClean="0"/>
-              <a:t>4/10/2016</a:t>
+              <a:t>1/18/2017</a:t>
             </a:fld>
             <a:endParaRPr lang="en-US"/>
           </a:p>
@@ -1010,7 +1010,7 @@
           <a:p>
             <a:fld id="{E6572FD9-149D-4F0B-92E7-747A630B98D4}" type="datetimeFigureOut">
               <a:rPr lang="en-US" smtClean="0"/>
-              <a:t>4/10/2016</a:t>
+              <a:t>1/18/2017</a:t>
             </a:fld>
             <a:endParaRPr lang="en-US"/>
           </a:p>
@@ -1242,7 +1242,7 @@
           <a:p>
             <a:fld id="{E6572FD9-149D-4F0B-92E7-747A630B98D4}" type="datetimeFigureOut">
               <a:rPr lang="en-US" smtClean="0"/>
-              <a:t>4/10/2016</a:t>
+              <a:t>1/18/2017</a:t>
             </a:fld>
             <a:endParaRPr lang="en-US"/>
           </a:p>
@@ -1609,7 +1609,7 @@
           <a:p>
             <a:fld id="{E6572FD9-149D-4F0B-92E7-747A630B98D4}" type="datetimeFigureOut">
               <a:rPr lang="en-US" smtClean="0"/>
-              <a:t>4/10/2016</a:t>
+              <a:t>1/18/2017</a:t>
             </a:fld>
             <a:endParaRPr lang="en-US"/>
           </a:p>
@@ -1727,7 +1727,7 @@
           <a:p>
             <a:fld id="{E6572FD9-149D-4F0B-92E7-747A630B98D4}" type="datetimeFigureOut">
               <a:rPr lang="en-US" smtClean="0"/>
-              <a:t>4/10/2016</a:t>
+              <a:t>1/18/2017</a:t>
             </a:fld>
             <a:endParaRPr lang="en-US"/>
           </a:p>
@@ -1822,7 +1822,7 @@
           <a:p>
             <a:fld id="{E6572FD9-149D-4F0B-92E7-747A630B98D4}" type="datetimeFigureOut">
               <a:rPr lang="en-US" smtClean="0"/>
-              <a:t>4/10/2016</a:t>
+              <a:t>1/18/2017</a:t>
             </a:fld>
             <a:endParaRPr lang="en-US"/>
           </a:p>
@@ -2099,7 +2099,7 @@
           <a:p>
             <a:fld id="{E6572FD9-149D-4F0B-92E7-747A630B98D4}" type="datetimeFigureOut">
               <a:rPr lang="en-US" smtClean="0"/>
-              <a:t>4/10/2016</a:t>
+              <a:t>1/18/2017</a:t>
             </a:fld>
             <a:endParaRPr lang="en-US"/>
           </a:p>
@@ -2356,7 +2356,7 @@
           <a:p>
             <a:fld id="{E6572FD9-149D-4F0B-92E7-747A630B98D4}" type="datetimeFigureOut">
               <a:rPr lang="en-US" smtClean="0"/>
-              <a:t>4/10/2016</a:t>
+              <a:t>1/18/2017</a:t>
             </a:fld>
             <a:endParaRPr lang="en-US"/>
           </a:p>
@@ -2569,7 +2569,7 @@
           <a:p>
             <a:fld id="{E6572FD9-149D-4F0B-92E7-747A630B98D4}" type="datetimeFigureOut">
               <a:rPr lang="en-US" smtClean="0"/>
-              <a:t>4/10/2016</a:t>
+              <a:t>1/18/2017</a:t>
             </a:fld>
             <a:endParaRPr lang="en-US"/>
           </a:p>
@@ -5082,7 +5082,15 @@
                   <a:schemeClr val="tx1"/>
                 </a:solidFill>
               </a:rPr>
-              <a:t>title: </a:t>
+              <a:t>title: "HTML distribution of </a:t>
+            </a:r>
+            <a:r>
+              <a:rPr lang="en-US" sz="1000" dirty="0">
+                <a:solidFill>
+                  <a:schemeClr val="tx1"/>
+                </a:solidFill>
+              </a:rPr>
+              <a:t>X </a:t>
             </a:r>
             <a:r>
               <a:rPr lang="en-US" sz="1000" dirty="0" smtClean="0">
@@ -5090,60 +5098,18 @@
                   <a:schemeClr val="tx1"/>
                 </a:solidFill>
               </a:rPr>
-              <a:t>"HTML distribution of </a:t>
-            </a:r>
-            <a:r>
-              <a:rPr lang="en-US" sz="1000" dirty="0">
+              <a:t>vocabulary defined terms"</a:t>
+            </a:r>
+          </a:p>
+          <a:p>
+            <a:r>
+              <a:rPr lang="en-US" sz="1000" dirty="0" smtClean="0">
                 <a:solidFill>
                   <a:schemeClr val="tx1"/>
                 </a:solidFill>
               </a:rPr>
-              <a:t>X </a:t>
-            </a:r>
-            <a:r>
-              <a:rPr lang="en-US" sz="1000" dirty="0" smtClean="0">
-                <a:solidFill>
-                  <a:schemeClr val="tx1"/>
-                </a:solidFill>
-              </a:rPr>
-              <a:t>vocabulary defined </a:t>
-            </a:r>
-            <a:r>
-              <a:rPr lang="en-US" sz="1000" dirty="0" smtClean="0">
-                <a:solidFill>
-                  <a:schemeClr val="tx1"/>
-                </a:solidFill>
-              </a:rPr>
-              <a:t>terms"</a:t>
-            </a:r>
-            <a:endParaRPr lang="en-US" sz="1000" dirty="0" smtClean="0">
-              <a:solidFill>
-                <a:schemeClr val="tx1"/>
-              </a:solidFill>
-            </a:endParaRPr>
-          </a:p>
-          <a:p>
-            <a:r>
-              <a:rPr lang="en-US" sz="1000" dirty="0" smtClean="0">
-                <a:solidFill>
-                  <a:schemeClr val="tx1"/>
-                </a:solidFill>
-              </a:rPr>
-              <a:t>iri: &lt;http://</a:t>
-            </a:r>
-            <a:r>
-              <a:rPr lang="en-US" sz="1000" dirty="0" smtClean="0">
-                <a:solidFill>
-                  <a:schemeClr val="tx1"/>
-                </a:solidFill>
-              </a:rPr>
-              <a:t>tdwg.org/stdx/terms/html&gt;</a:t>
-            </a:r>
-            <a:endParaRPr lang="en-US" sz="1000" dirty="0" smtClean="0">
-              <a:solidFill>
-                <a:schemeClr val="tx1"/>
-              </a:solidFill>
-            </a:endParaRPr>
+              <a:t>iri: &lt;http://tdwg.org/stdx/terms/html&gt;</a:t>
+            </a:r>
           </a:p>
         </p:txBody>
       </p:sp>
@@ -5232,7 +5198,15 @@
                   <a:schemeClr val="tx1"/>
                 </a:solidFill>
               </a:rPr>
-              <a:t>iri</a:t>
+              <a:t>iri: </a:t>
+            </a:r>
+            <a:r>
+              <a:rPr lang="en-US" sz="1000" dirty="0">
+                <a:solidFill>
+                  <a:schemeClr val="tx1"/>
+                </a:solidFill>
+              </a:rPr>
+              <a:t>&lt;http://</a:t>
             </a:r>
             <a:r>
               <a:rPr lang="en-US" sz="1000" dirty="0" smtClean="0">
@@ -5240,29 +5214,8 @@
                   <a:schemeClr val="tx1"/>
                 </a:solidFill>
               </a:rPr>
-              <a:t>: </a:t>
-            </a:r>
-            <a:r>
-              <a:rPr lang="en-US" sz="1000" dirty="0">
-                <a:solidFill>
-                  <a:schemeClr val="tx1"/>
-                </a:solidFill>
-              </a:rPr>
-              <a:t>&lt;http://</a:t>
-            </a:r>
-            <a:r>
-              <a:rPr lang="en-US" sz="1000" dirty="0" smtClean="0">
-                <a:solidFill>
-                  <a:schemeClr val="tx1"/>
-                </a:solidFill>
-              </a:rPr>
               <a:t>tdwg.org/stdx/terms/ttl&gt;</a:t>
             </a:r>
-            <a:endParaRPr lang="en-US" sz="1000" dirty="0" smtClean="0">
-              <a:solidFill>
-                <a:schemeClr val="tx1"/>
-              </a:solidFill>
-            </a:endParaRPr>
           </a:p>
         </p:txBody>
       </p:sp>
@@ -5351,7 +5304,15 @@
                   <a:schemeClr val="tx1"/>
                 </a:solidFill>
               </a:rPr>
-              <a:t>iri</a:t>
+              <a:t>iri: </a:t>
+            </a:r>
+            <a:r>
+              <a:rPr lang="en-US" sz="1000" dirty="0">
+                <a:solidFill>
+                  <a:schemeClr val="tx1"/>
+                </a:solidFill>
+              </a:rPr>
+              <a:t>&lt;http://</a:t>
             </a:r>
             <a:r>
               <a:rPr lang="en-US" sz="1000" dirty="0" smtClean="0">
@@ -5359,29 +5320,8 @@
                   <a:schemeClr val="tx1"/>
                 </a:solidFill>
               </a:rPr>
-              <a:t>: </a:t>
-            </a:r>
-            <a:r>
-              <a:rPr lang="en-US" sz="1000" dirty="0">
-                <a:solidFill>
-                  <a:schemeClr val="tx1"/>
-                </a:solidFill>
-              </a:rPr>
-              <a:t>&lt;http://</a:t>
-            </a:r>
-            <a:r>
-              <a:rPr lang="en-US" sz="1000" dirty="0" smtClean="0">
-                <a:solidFill>
-                  <a:schemeClr val="tx1"/>
-                </a:solidFill>
-              </a:rPr>
               <a:t>tdwg.org/stdx/terms/json&gt;</a:t>
             </a:r>
-            <a:endParaRPr lang="en-US" sz="1000" dirty="0" smtClean="0">
-              <a:solidFill>
-                <a:schemeClr val="tx1"/>
-              </a:solidFill>
-            </a:endParaRPr>
           </a:p>
         </p:txBody>
       </p:sp>
@@ -5589,7 +5529,7 @@
                 <a:latin typeface="Courier New" panose="02070309020205020404" pitchFamily="49" charset="0"/>
                 <a:cs typeface="Courier New" panose="02070309020205020404" pitchFamily="49" charset="0"/>
               </a:rPr>
-              <a:t>dcat:distribution</a:t>
+              <a:t>dcterms:hasFormat</a:t>
             </a:r>
             <a:endParaRPr lang="en-US" sz="1400" dirty="0">
               <a:latin typeface="Courier New" panose="02070309020205020404" pitchFamily="49" charset="0"/>
@@ -5645,37 +5585,8 @@
                   <a:schemeClr val="tx1"/>
                 </a:solidFill>
               </a:rPr>
-              <a:t>title: </a:t>
-            </a:r>
-            <a:r>
-              <a:rPr lang="en-US" sz="1000" dirty="0" smtClean="0">
-                <a:solidFill>
-                  <a:schemeClr val="tx1"/>
-                </a:solidFill>
-              </a:rPr>
-              <a:t>"X </a:t>
-            </a:r>
-            <a:r>
-              <a:rPr lang="en-US" sz="1000" dirty="0" smtClean="0">
-                <a:solidFill>
-                  <a:schemeClr val="tx1"/>
-                </a:solidFill>
-              </a:rPr>
-              <a:t>vocabulary defined </a:t>
-            </a:r>
-            <a:r>
-              <a:rPr lang="en-US" sz="1000" dirty="0" smtClean="0">
-                <a:solidFill>
-                  <a:schemeClr val="tx1"/>
-                </a:solidFill>
-              </a:rPr>
-              <a:t>terms"</a:t>
-            </a:r>
-            <a:endParaRPr lang="en-US" sz="1000" dirty="0" smtClean="0">
-              <a:solidFill>
-                <a:schemeClr val="tx1"/>
-              </a:solidFill>
-            </a:endParaRPr>
+              <a:t>title: "X vocabulary defined terms"</a:t>
+            </a:r>
           </a:p>
           <a:p>
             <a:r>
@@ -5712,11 +5623,11 @@
           <a:lstStyle/>
           <a:p>
             <a:r>
-              <a:rPr lang="en-US" sz="1400" dirty="0" smtClean="0">
+              <a:rPr lang="en-US" sz="1400" dirty="0">
                 <a:latin typeface="Courier New" panose="02070309020205020404" pitchFamily="49" charset="0"/>
                 <a:cs typeface="Courier New" panose="02070309020205020404" pitchFamily="49" charset="0"/>
               </a:rPr>
-              <a:t>dcat:distribution</a:t>
+              <a:t>dcterms:hasFormat</a:t>
             </a:r>
             <a:endParaRPr lang="en-US" sz="1400" dirty="0">
               <a:latin typeface="Courier New" panose="02070309020205020404" pitchFamily="49" charset="0"/>
@@ -5748,11 +5659,11 @@
           <a:lstStyle/>
           <a:p>
             <a:r>
-              <a:rPr lang="en-US" sz="1400" dirty="0" smtClean="0">
+              <a:rPr lang="en-US" sz="1400" dirty="0">
                 <a:latin typeface="Courier New" panose="02070309020205020404" pitchFamily="49" charset="0"/>
                 <a:cs typeface="Courier New" panose="02070309020205020404" pitchFamily="49" charset="0"/>
               </a:rPr>
-              <a:t>dcat:distribution</a:t>
+              <a:t>dcterms:hasFormat</a:t>
             </a:r>
             <a:endParaRPr lang="en-US" sz="1400" dirty="0">
               <a:latin typeface="Courier New" panose="02070309020205020404" pitchFamily="49" charset="0"/>
@@ -5831,6 +5742,13 @@
   <p:clrMapOvr>
     <a:masterClrMapping/>
   </p:clrMapOvr>
+  <p:timing>
+    <p:tnLst>
+      <p:par>
+        <p:cTn id="1" dur="indefinite" restart="never" nodeType="tmRoot"/>
+      </p:par>
+    </p:tnLst>
+  </p:timing>
 </p:sld>
 </file>
 

--- a/diagrams.pptx
+++ b/diagrams.pptx
@@ -9,6 +9,8 @@
     <p:sldId id="259" r:id="rId3"/>
     <p:sldId id="258" r:id="rId4"/>
     <p:sldId id="260" r:id="rId5"/>
+    <p:sldId id="261" r:id="rId6"/>
+    <p:sldId id="262" r:id="rId7"/>
   </p:sldIdLst>
   <p:sldSz cx="9144000" cy="6858000" type="screen4x3"/>
   <p:notesSz cx="6858000" cy="9144000"/>
@@ -5629,10 +5631,6 @@
               </a:rPr>
               <a:t>dcterms:hasFormat</a:t>
             </a:r>
-            <a:endParaRPr lang="en-US" sz="1400" dirty="0">
-              <a:latin typeface="Courier New" panose="02070309020205020404" pitchFamily="49" charset="0"/>
-              <a:cs typeface="Courier New" panose="02070309020205020404" pitchFamily="49" charset="0"/>
-            </a:endParaRPr>
           </a:p>
         </p:txBody>
       </p:sp>
@@ -5665,10 +5663,6 @@
               </a:rPr>
               <a:t>dcterms:hasFormat</a:t>
             </a:r>
-            <a:endParaRPr lang="en-US" sz="1400" dirty="0">
-              <a:latin typeface="Courier New" panose="02070309020205020404" pitchFamily="49" charset="0"/>
-              <a:cs typeface="Courier New" panose="02070309020205020404" pitchFamily="49" charset="0"/>
-            </a:endParaRPr>
           </a:p>
         </p:txBody>
       </p:sp>
@@ -5749,6 +5743,1761 @@
       </p:par>
     </p:tnLst>
   </p:timing>
+</p:sld>
+</file>
+
+<file path=ppt/slides/slide5.xml><?xml version="1.0" encoding="utf-8"?>
+<p:sld xmlns:a="http://schemas.openxmlformats.org/drawingml/2006/main" xmlns:r="http://schemas.openxmlformats.org/officeDocument/2006/relationships" xmlns:p="http://schemas.openxmlformats.org/presentationml/2006/main">
+  <p:cSld>
+    <p:spTree>
+      <p:nvGrpSpPr>
+        <p:cNvPr id="1" name=""/>
+        <p:cNvGrpSpPr/>
+        <p:nvPr/>
+      </p:nvGrpSpPr>
+      <p:grpSpPr>
+        <a:xfrm>
+          <a:off x="0" y="0"/>
+          <a:ext cx="0" cy="0"/>
+          <a:chOff x="0" y="0"/>
+          <a:chExt cx="0" cy="0"/>
+        </a:xfrm>
+      </p:grpSpPr>
+      <p:sp>
+        <p:nvSpPr>
+          <p:cNvPr id="2" name="Flowchart: Decision 1"/>
+          <p:cNvSpPr/>
+          <p:nvPr/>
+        </p:nvSpPr>
+        <p:spPr>
+          <a:xfrm>
+            <a:off x="1372008" y="1531356"/>
+            <a:ext cx="2499781" cy="1075208"/>
+          </a:xfrm>
+          <a:prstGeom prst="flowChartDecision">
+            <a:avLst/>
+          </a:prstGeom>
+          <a:noFill/>
+          <a:ln w="31750">
+            <a:solidFill>
+              <a:schemeClr val="tx1"/>
+            </a:solidFill>
+          </a:ln>
+        </p:spPr>
+        <p:style>
+          <a:lnRef idx="2">
+            <a:schemeClr val="accent1">
+              <a:shade val="50000"/>
+            </a:schemeClr>
+          </a:lnRef>
+          <a:fillRef idx="1">
+            <a:schemeClr val="accent1"/>
+          </a:fillRef>
+          <a:effectRef idx="0">
+            <a:schemeClr val="accent1"/>
+          </a:effectRef>
+          <a:fontRef idx="minor">
+            <a:schemeClr val="lt1"/>
+          </a:fontRef>
+        </p:style>
+        <p:txBody>
+          <a:bodyPr rtlCol="0" anchor="ctr"/>
+          <a:lstStyle/>
+          <a:p>
+            <a:pPr algn="ctr"/>
+            <a:r>
+              <a:rPr lang="en-US" sz="1200" dirty="0" smtClean="0">
+                <a:solidFill>
+                  <a:schemeClr val="tx1"/>
+                </a:solidFill>
+              </a:rPr>
+              <a:t>errata, cosmetic changes, changes to examples</a:t>
+            </a:r>
+            <a:endParaRPr lang="en-US" sz="1200" dirty="0">
+              <a:solidFill>
+                <a:schemeClr val="tx1"/>
+              </a:solidFill>
+            </a:endParaRPr>
+          </a:p>
+        </p:txBody>
+      </p:sp>
+      <p:sp>
+        <p:nvSpPr>
+          <p:cNvPr id="3" name="Flowchart: Decision 2"/>
+          <p:cNvSpPr/>
+          <p:nvPr/>
+        </p:nvSpPr>
+        <p:spPr>
+          <a:xfrm>
+            <a:off x="4431610" y="1570349"/>
+            <a:ext cx="1927916" cy="997221"/>
+          </a:xfrm>
+          <a:prstGeom prst="flowChartDecision">
+            <a:avLst/>
+          </a:prstGeom>
+          <a:noFill/>
+          <a:ln w="31750">
+            <a:solidFill>
+              <a:schemeClr val="tx1"/>
+            </a:solidFill>
+          </a:ln>
+        </p:spPr>
+        <p:style>
+          <a:lnRef idx="2">
+            <a:schemeClr val="accent1">
+              <a:shade val="50000"/>
+            </a:schemeClr>
+          </a:lnRef>
+          <a:fillRef idx="1">
+            <a:schemeClr val="accent1"/>
+          </a:fillRef>
+          <a:effectRef idx="0">
+            <a:schemeClr val="accent1"/>
+          </a:effectRef>
+          <a:fontRef idx="minor">
+            <a:schemeClr val="lt1"/>
+          </a:fontRef>
+        </p:style>
+        <p:txBody>
+          <a:bodyPr rtlCol="0" anchor="ctr"/>
+          <a:lstStyle/>
+          <a:p>
+            <a:pPr algn="ctr"/>
+            <a:r>
+              <a:rPr lang="en-US" sz="1200" dirty="0" smtClean="0">
+                <a:solidFill>
+                  <a:schemeClr val="tx1"/>
+                </a:solidFill>
+              </a:rPr>
+              <a:t>changes to normative content?</a:t>
+            </a:r>
+            <a:endParaRPr lang="en-US" sz="1200" dirty="0">
+              <a:solidFill>
+                <a:schemeClr val="tx1"/>
+              </a:solidFill>
+            </a:endParaRPr>
+          </a:p>
+        </p:txBody>
+      </p:sp>
+      <p:cxnSp>
+        <p:nvCxnSpPr>
+          <p:cNvPr id="5" name="Straight Arrow Connector 4"/>
+          <p:cNvCxnSpPr>
+            <a:endCxn id="2" idx="1"/>
+          </p:cNvCxnSpPr>
+          <p:nvPr/>
+        </p:nvCxnSpPr>
+        <p:spPr>
+          <a:xfrm>
+            <a:off x="950976" y="2068959"/>
+            <a:ext cx="421032" cy="1"/>
+          </a:xfrm>
+          <a:prstGeom prst="straightConnector1">
+            <a:avLst/>
+          </a:prstGeom>
+          <a:ln w="31750">
+            <a:solidFill>
+              <a:schemeClr val="tx1"/>
+            </a:solidFill>
+            <a:tailEnd type="triangle" w="lg" len="lg"/>
+          </a:ln>
+        </p:spPr>
+        <p:style>
+          <a:lnRef idx="1">
+            <a:schemeClr val="accent1"/>
+          </a:lnRef>
+          <a:fillRef idx="0">
+            <a:schemeClr val="accent1"/>
+          </a:fillRef>
+          <a:effectRef idx="0">
+            <a:schemeClr val="accent1"/>
+          </a:effectRef>
+          <a:fontRef idx="minor">
+            <a:schemeClr val="tx1"/>
+          </a:fontRef>
+        </p:style>
+      </p:cxnSp>
+      <p:cxnSp>
+        <p:nvCxnSpPr>
+          <p:cNvPr id="11" name="Straight Arrow Connector 10"/>
+          <p:cNvCxnSpPr>
+            <a:stCxn id="2" idx="0"/>
+          </p:cNvCxnSpPr>
+          <p:nvPr/>
+        </p:nvCxnSpPr>
+        <p:spPr>
+          <a:xfrm flipH="1" flipV="1">
+            <a:off x="2621898" y="985133"/>
+            <a:ext cx="1" cy="546223"/>
+          </a:xfrm>
+          <a:prstGeom prst="straightConnector1">
+            <a:avLst/>
+          </a:prstGeom>
+          <a:ln w="31750">
+            <a:solidFill>
+              <a:schemeClr val="tx1"/>
+            </a:solidFill>
+            <a:tailEnd type="triangle" w="lg" len="lg"/>
+          </a:ln>
+        </p:spPr>
+        <p:style>
+          <a:lnRef idx="1">
+            <a:schemeClr val="accent1"/>
+          </a:lnRef>
+          <a:fillRef idx="0">
+            <a:schemeClr val="accent1"/>
+          </a:fillRef>
+          <a:effectRef idx="0">
+            <a:schemeClr val="accent1"/>
+          </a:effectRef>
+          <a:fontRef idx="minor">
+            <a:schemeClr val="tx1"/>
+          </a:fontRef>
+        </p:style>
+      </p:cxnSp>
+      <p:sp>
+        <p:nvSpPr>
+          <p:cNvPr id="16" name="TextBox 15"/>
+          <p:cNvSpPr txBox="1"/>
+          <p:nvPr/>
+        </p:nvSpPr>
+        <p:spPr>
+          <a:xfrm>
+            <a:off x="2922254" y="1051775"/>
+            <a:ext cx="491225" cy="369332"/>
+          </a:xfrm>
+          <a:prstGeom prst="rect">
+            <a:avLst/>
+          </a:prstGeom>
+          <a:noFill/>
+        </p:spPr>
+        <p:txBody>
+          <a:bodyPr wrap="none" rtlCol="0">
+            <a:spAutoFit/>
+          </a:bodyPr>
+          <a:lstStyle/>
+          <a:p>
+            <a:r>
+              <a:rPr lang="en-US" dirty="0" smtClean="0"/>
+              <a:t>yes</a:t>
+            </a:r>
+            <a:endParaRPr lang="en-US" dirty="0"/>
+          </a:p>
+        </p:txBody>
+      </p:sp>
+      <p:sp>
+        <p:nvSpPr>
+          <p:cNvPr id="17" name="TextBox 16"/>
+          <p:cNvSpPr txBox="1"/>
+          <p:nvPr/>
+        </p:nvSpPr>
+        <p:spPr>
+          <a:xfrm>
+            <a:off x="3871789" y="2068959"/>
+            <a:ext cx="428322" cy="369332"/>
+          </a:xfrm>
+          <a:prstGeom prst="rect">
+            <a:avLst/>
+          </a:prstGeom>
+          <a:noFill/>
+        </p:spPr>
+        <p:txBody>
+          <a:bodyPr wrap="none" rtlCol="0">
+            <a:spAutoFit/>
+          </a:bodyPr>
+          <a:lstStyle/>
+          <a:p>
+            <a:r>
+              <a:rPr lang="en-US" dirty="0" smtClean="0"/>
+              <a:t>no</a:t>
+            </a:r>
+            <a:endParaRPr lang="en-US" dirty="0"/>
+          </a:p>
+        </p:txBody>
+      </p:sp>
+      <p:cxnSp>
+        <p:nvCxnSpPr>
+          <p:cNvPr id="18" name="Straight Arrow Connector 17"/>
+          <p:cNvCxnSpPr>
+            <a:stCxn id="2" idx="3"/>
+            <a:endCxn id="3" idx="1"/>
+          </p:cNvCxnSpPr>
+          <p:nvPr/>
+        </p:nvCxnSpPr>
+        <p:spPr>
+          <a:xfrm>
+            <a:off x="3871789" y="2068960"/>
+            <a:ext cx="559821" cy="0"/>
+          </a:xfrm>
+          <a:prstGeom prst="straightConnector1">
+            <a:avLst/>
+          </a:prstGeom>
+          <a:ln w="31750">
+            <a:solidFill>
+              <a:schemeClr val="tx1"/>
+            </a:solidFill>
+            <a:tailEnd type="triangle" w="lg" len="lg"/>
+          </a:ln>
+        </p:spPr>
+        <p:style>
+          <a:lnRef idx="1">
+            <a:schemeClr val="accent1"/>
+          </a:lnRef>
+          <a:fillRef idx="0">
+            <a:schemeClr val="accent1"/>
+          </a:fillRef>
+          <a:effectRef idx="0">
+            <a:schemeClr val="accent1"/>
+          </a:effectRef>
+          <a:fontRef idx="minor">
+            <a:schemeClr val="tx1"/>
+          </a:fontRef>
+        </p:style>
+      </p:cxnSp>
+      <p:sp>
+        <p:nvSpPr>
+          <p:cNvPr id="21" name="TextBox 20"/>
+          <p:cNvSpPr txBox="1"/>
+          <p:nvPr/>
+        </p:nvSpPr>
+        <p:spPr>
+          <a:xfrm>
+            <a:off x="1372008" y="633749"/>
+            <a:ext cx="2388346" cy="307777"/>
+          </a:xfrm>
+          <a:prstGeom prst="rect">
+            <a:avLst/>
+          </a:prstGeom>
+          <a:noFill/>
+        </p:spPr>
+        <p:txBody>
+          <a:bodyPr wrap="none" rtlCol="0">
+            <a:spAutoFit/>
+          </a:bodyPr>
+          <a:lstStyle/>
+          <a:p>
+            <a:r>
+              <a:rPr lang="en-US" sz="1400" dirty="0" smtClean="0"/>
+              <a:t>Interest Group makes changes</a:t>
+            </a:r>
+            <a:endParaRPr lang="en-US" sz="1400" dirty="0"/>
+          </a:p>
+        </p:txBody>
+      </p:sp>
+      <p:cxnSp>
+        <p:nvCxnSpPr>
+          <p:cNvPr id="22" name="Straight Arrow Connector 21"/>
+          <p:cNvCxnSpPr/>
+          <p:nvPr/>
+        </p:nvCxnSpPr>
+        <p:spPr>
+          <a:xfrm flipV="1">
+            <a:off x="7913068" y="1051775"/>
+            <a:ext cx="0" cy="501442"/>
+          </a:xfrm>
+          <a:prstGeom prst="straightConnector1">
+            <a:avLst/>
+          </a:prstGeom>
+          <a:ln w="31750">
+            <a:solidFill>
+              <a:schemeClr val="tx1"/>
+            </a:solidFill>
+            <a:tailEnd type="triangle" w="lg" len="lg"/>
+          </a:ln>
+        </p:spPr>
+        <p:style>
+          <a:lnRef idx="1">
+            <a:schemeClr val="accent1"/>
+          </a:lnRef>
+          <a:fillRef idx="0">
+            <a:schemeClr val="accent1"/>
+          </a:fillRef>
+          <a:effectRef idx="0">
+            <a:schemeClr val="accent1"/>
+          </a:effectRef>
+          <a:fontRef idx="minor">
+            <a:schemeClr val="tx1"/>
+          </a:fontRef>
+        </p:style>
+      </p:cxnSp>
+      <p:sp>
+        <p:nvSpPr>
+          <p:cNvPr id="25" name="TextBox 24"/>
+          <p:cNvSpPr txBox="1"/>
+          <p:nvPr/>
+        </p:nvSpPr>
+        <p:spPr>
+          <a:xfrm>
+            <a:off x="6293149" y="2070220"/>
+            <a:ext cx="428322" cy="369332"/>
+          </a:xfrm>
+          <a:prstGeom prst="rect">
+            <a:avLst/>
+          </a:prstGeom>
+          <a:noFill/>
+        </p:spPr>
+        <p:txBody>
+          <a:bodyPr wrap="none" rtlCol="0">
+            <a:spAutoFit/>
+          </a:bodyPr>
+          <a:lstStyle/>
+          <a:p>
+            <a:r>
+              <a:rPr lang="en-US" dirty="0" smtClean="0"/>
+              <a:t>no</a:t>
+            </a:r>
+            <a:endParaRPr lang="en-US" dirty="0"/>
+          </a:p>
+        </p:txBody>
+      </p:sp>
+      <p:sp>
+        <p:nvSpPr>
+          <p:cNvPr id="26" name="TextBox 25"/>
+          <p:cNvSpPr txBox="1"/>
+          <p:nvPr/>
+        </p:nvSpPr>
+        <p:spPr>
+          <a:xfrm>
+            <a:off x="6071764" y="465591"/>
+            <a:ext cx="2974700" cy="523220"/>
+          </a:xfrm>
+          <a:prstGeom prst="rect">
+            <a:avLst/>
+          </a:prstGeom>
+          <a:noFill/>
+        </p:spPr>
+        <p:txBody>
+          <a:bodyPr wrap="square" rtlCol="0">
+            <a:spAutoFit/>
+          </a:bodyPr>
+          <a:lstStyle/>
+          <a:p>
+            <a:r>
+              <a:rPr lang="en-US" sz="1400" dirty="0" smtClean="0"/>
+              <a:t>Interest Group makes changes and notifies community via </a:t>
+            </a:r>
+            <a:r>
+              <a:rPr lang="en-US" sz="1400" dirty="0" err="1" smtClean="0"/>
+              <a:t>tdwg</a:t>
+            </a:r>
+            <a:r>
+              <a:rPr lang="en-US" sz="1400" dirty="0" smtClean="0"/>
+              <a:t>-content</a:t>
+            </a:r>
+            <a:endParaRPr lang="en-US" sz="1400" dirty="0"/>
+          </a:p>
+        </p:txBody>
+      </p:sp>
+      <p:cxnSp>
+        <p:nvCxnSpPr>
+          <p:cNvPr id="30" name="Straight Arrow Connector 29"/>
+          <p:cNvCxnSpPr>
+            <a:stCxn id="3" idx="2"/>
+          </p:cNvCxnSpPr>
+          <p:nvPr/>
+        </p:nvCxnSpPr>
+        <p:spPr>
+          <a:xfrm>
+            <a:off x="5395568" y="2567570"/>
+            <a:ext cx="0" cy="581538"/>
+          </a:xfrm>
+          <a:prstGeom prst="straightConnector1">
+            <a:avLst/>
+          </a:prstGeom>
+          <a:ln w="31750">
+            <a:solidFill>
+              <a:schemeClr val="tx1"/>
+            </a:solidFill>
+            <a:tailEnd type="triangle" w="lg" len="lg"/>
+          </a:ln>
+        </p:spPr>
+        <p:style>
+          <a:lnRef idx="1">
+            <a:schemeClr val="accent1"/>
+          </a:lnRef>
+          <a:fillRef idx="0">
+            <a:schemeClr val="accent1"/>
+          </a:fillRef>
+          <a:effectRef idx="0">
+            <a:schemeClr val="accent1"/>
+          </a:effectRef>
+          <a:fontRef idx="minor">
+            <a:schemeClr val="tx1"/>
+          </a:fontRef>
+        </p:style>
+      </p:cxnSp>
+      <p:sp>
+        <p:nvSpPr>
+          <p:cNvPr id="33" name="TextBox 32"/>
+          <p:cNvSpPr txBox="1"/>
+          <p:nvPr/>
+        </p:nvSpPr>
+        <p:spPr>
+          <a:xfrm>
+            <a:off x="7912682" y="2589431"/>
+            <a:ext cx="491225" cy="369332"/>
+          </a:xfrm>
+          <a:prstGeom prst="rect">
+            <a:avLst/>
+          </a:prstGeom>
+          <a:noFill/>
+        </p:spPr>
+        <p:txBody>
+          <a:bodyPr wrap="none" rtlCol="0">
+            <a:spAutoFit/>
+          </a:bodyPr>
+          <a:lstStyle/>
+          <a:p>
+            <a:r>
+              <a:rPr lang="en-US" dirty="0" smtClean="0"/>
+              <a:t>yes</a:t>
+            </a:r>
+            <a:endParaRPr lang="en-US" dirty="0"/>
+          </a:p>
+        </p:txBody>
+      </p:sp>
+      <p:sp>
+        <p:nvSpPr>
+          <p:cNvPr id="55" name="Flowchart: Decision 54"/>
+          <p:cNvSpPr/>
+          <p:nvPr/>
+        </p:nvSpPr>
+        <p:spPr>
+          <a:xfrm>
+            <a:off x="6931391" y="1553217"/>
+            <a:ext cx="1963354" cy="1036214"/>
+          </a:xfrm>
+          <a:prstGeom prst="flowChartDecision">
+            <a:avLst/>
+          </a:prstGeom>
+          <a:noFill/>
+          <a:ln w="31750">
+            <a:solidFill>
+              <a:schemeClr val="tx1"/>
+            </a:solidFill>
+          </a:ln>
+        </p:spPr>
+        <p:style>
+          <a:lnRef idx="2">
+            <a:schemeClr val="accent1">
+              <a:shade val="50000"/>
+            </a:schemeClr>
+          </a:lnRef>
+          <a:fillRef idx="1">
+            <a:schemeClr val="accent1"/>
+          </a:fillRef>
+          <a:effectRef idx="0">
+            <a:schemeClr val="accent1"/>
+          </a:effectRef>
+          <a:fontRef idx="minor">
+            <a:schemeClr val="lt1"/>
+          </a:fontRef>
+        </p:style>
+        <p:txBody>
+          <a:bodyPr rtlCol="0" anchor="ctr"/>
+          <a:lstStyle/>
+          <a:p>
+            <a:pPr algn="ctr"/>
+            <a:r>
+              <a:rPr lang="en-US" sz="1200" dirty="0" smtClean="0">
+                <a:solidFill>
+                  <a:schemeClr val="tx1"/>
+                </a:solidFill>
+              </a:rPr>
+              <a:t>significant changes</a:t>
+            </a:r>
+            <a:endParaRPr lang="en-US" sz="1200" dirty="0">
+              <a:solidFill>
+                <a:schemeClr val="tx1"/>
+              </a:solidFill>
+            </a:endParaRPr>
+          </a:p>
+        </p:txBody>
+      </p:sp>
+      <p:cxnSp>
+        <p:nvCxnSpPr>
+          <p:cNvPr id="75" name="Straight Arrow Connector 74"/>
+          <p:cNvCxnSpPr>
+            <a:stCxn id="3" idx="3"/>
+            <a:endCxn id="55" idx="1"/>
+          </p:cNvCxnSpPr>
+          <p:nvPr/>
+        </p:nvCxnSpPr>
+        <p:spPr>
+          <a:xfrm>
+            <a:off x="6359526" y="2068960"/>
+            <a:ext cx="571865" cy="2364"/>
+          </a:xfrm>
+          <a:prstGeom prst="straightConnector1">
+            <a:avLst/>
+          </a:prstGeom>
+          <a:ln w="31750">
+            <a:solidFill>
+              <a:schemeClr val="tx1"/>
+            </a:solidFill>
+            <a:tailEnd type="triangle" w="lg" len="lg"/>
+          </a:ln>
+        </p:spPr>
+        <p:style>
+          <a:lnRef idx="1">
+            <a:schemeClr val="accent1"/>
+          </a:lnRef>
+          <a:fillRef idx="0">
+            <a:schemeClr val="accent1"/>
+          </a:fillRef>
+          <a:effectRef idx="0">
+            <a:schemeClr val="accent1"/>
+          </a:effectRef>
+          <a:fontRef idx="minor">
+            <a:schemeClr val="tx1"/>
+          </a:fontRef>
+        </p:style>
+      </p:cxnSp>
+      <p:sp>
+        <p:nvSpPr>
+          <p:cNvPr id="82" name="TextBox 81"/>
+          <p:cNvSpPr txBox="1"/>
+          <p:nvPr/>
+        </p:nvSpPr>
+        <p:spPr>
+          <a:xfrm>
+            <a:off x="7975585" y="1144204"/>
+            <a:ext cx="428322" cy="369332"/>
+          </a:xfrm>
+          <a:prstGeom prst="rect">
+            <a:avLst/>
+          </a:prstGeom>
+          <a:noFill/>
+        </p:spPr>
+        <p:txBody>
+          <a:bodyPr wrap="none" rtlCol="0">
+            <a:spAutoFit/>
+          </a:bodyPr>
+          <a:lstStyle/>
+          <a:p>
+            <a:r>
+              <a:rPr lang="en-US" dirty="0" smtClean="0"/>
+              <a:t>no</a:t>
+            </a:r>
+            <a:endParaRPr lang="en-US" dirty="0"/>
+          </a:p>
+        </p:txBody>
+      </p:sp>
+      <p:sp>
+        <p:nvSpPr>
+          <p:cNvPr id="87" name="TextBox 86"/>
+          <p:cNvSpPr txBox="1"/>
+          <p:nvPr/>
+        </p:nvSpPr>
+        <p:spPr>
+          <a:xfrm>
+            <a:off x="5401203" y="2589431"/>
+            <a:ext cx="491225" cy="369332"/>
+          </a:xfrm>
+          <a:prstGeom prst="rect">
+            <a:avLst/>
+          </a:prstGeom>
+          <a:noFill/>
+        </p:spPr>
+        <p:txBody>
+          <a:bodyPr wrap="none" rtlCol="0">
+            <a:spAutoFit/>
+          </a:bodyPr>
+          <a:lstStyle/>
+          <a:p>
+            <a:r>
+              <a:rPr lang="en-US" dirty="0" smtClean="0"/>
+              <a:t>yes</a:t>
+            </a:r>
+            <a:endParaRPr lang="en-US" dirty="0"/>
+          </a:p>
+        </p:txBody>
+      </p:sp>
+      <p:cxnSp>
+        <p:nvCxnSpPr>
+          <p:cNvPr id="89" name="Straight Arrow Connector 88"/>
+          <p:cNvCxnSpPr/>
+          <p:nvPr/>
+        </p:nvCxnSpPr>
+        <p:spPr>
+          <a:xfrm>
+            <a:off x="7913068" y="2589431"/>
+            <a:ext cx="0" cy="581538"/>
+          </a:xfrm>
+          <a:prstGeom prst="straightConnector1">
+            <a:avLst/>
+          </a:prstGeom>
+          <a:ln w="31750">
+            <a:solidFill>
+              <a:schemeClr val="tx1"/>
+            </a:solidFill>
+            <a:tailEnd type="triangle" w="lg" len="lg"/>
+          </a:ln>
+        </p:spPr>
+        <p:style>
+          <a:lnRef idx="1">
+            <a:schemeClr val="accent1"/>
+          </a:lnRef>
+          <a:fillRef idx="0">
+            <a:schemeClr val="accent1"/>
+          </a:fillRef>
+          <a:effectRef idx="0">
+            <a:schemeClr val="accent1"/>
+          </a:effectRef>
+          <a:fontRef idx="minor">
+            <a:schemeClr val="tx1"/>
+          </a:fontRef>
+        </p:style>
+      </p:cxnSp>
+      <p:sp>
+        <p:nvSpPr>
+          <p:cNvPr id="91" name="TextBox 90"/>
+          <p:cNvSpPr txBox="1"/>
+          <p:nvPr/>
+        </p:nvSpPr>
+        <p:spPr>
+          <a:xfrm>
+            <a:off x="5007903" y="3214156"/>
+            <a:ext cx="3427135" cy="523220"/>
+          </a:xfrm>
+          <a:prstGeom prst="rect">
+            <a:avLst/>
+          </a:prstGeom>
+          <a:noFill/>
+        </p:spPr>
+        <p:txBody>
+          <a:bodyPr wrap="square" rtlCol="0">
+            <a:spAutoFit/>
+          </a:bodyPr>
+          <a:lstStyle/>
+          <a:p>
+            <a:r>
+              <a:rPr lang="en-US" sz="1400" dirty="0" smtClean="0"/>
+              <a:t>Full change process invoked including public comment and executive approval</a:t>
+            </a:r>
+            <a:endParaRPr lang="en-US" sz="1400" dirty="0"/>
+          </a:p>
+        </p:txBody>
+      </p:sp>
+      <p:sp>
+        <p:nvSpPr>
+          <p:cNvPr id="92" name="TextBox 91"/>
+          <p:cNvSpPr txBox="1"/>
+          <p:nvPr/>
+        </p:nvSpPr>
+        <p:spPr>
+          <a:xfrm>
+            <a:off x="1135142" y="3907301"/>
+            <a:ext cx="3523529" cy="307777"/>
+          </a:xfrm>
+          <a:prstGeom prst="rect">
+            <a:avLst/>
+          </a:prstGeom>
+          <a:noFill/>
+        </p:spPr>
+        <p:txBody>
+          <a:bodyPr wrap="none" rtlCol="0">
+            <a:spAutoFit/>
+          </a:bodyPr>
+          <a:lstStyle/>
+          <a:p>
+            <a:r>
+              <a:rPr lang="en-US" sz="1400" dirty="0" smtClean="0"/>
+              <a:t>Fig. x. Decision process for document changes</a:t>
+            </a:r>
+            <a:endParaRPr lang="en-US" sz="1400" dirty="0"/>
+          </a:p>
+        </p:txBody>
+      </p:sp>
+      <p:sp>
+        <p:nvSpPr>
+          <p:cNvPr id="94" name="TextBox 93"/>
+          <p:cNvSpPr txBox="1"/>
+          <p:nvPr/>
+        </p:nvSpPr>
+        <p:spPr>
+          <a:xfrm>
+            <a:off x="128333" y="1807349"/>
+            <a:ext cx="886632" cy="523220"/>
+          </a:xfrm>
+          <a:prstGeom prst="rect">
+            <a:avLst/>
+          </a:prstGeom>
+          <a:noFill/>
+        </p:spPr>
+        <p:txBody>
+          <a:bodyPr wrap="square" rtlCol="0">
+            <a:spAutoFit/>
+          </a:bodyPr>
+          <a:lstStyle/>
+          <a:p>
+            <a:r>
+              <a:rPr lang="en-US" sz="1400" dirty="0" smtClean="0"/>
+              <a:t>Change proposed</a:t>
+            </a:r>
+            <a:endParaRPr lang="en-US" sz="1400" dirty="0"/>
+          </a:p>
+        </p:txBody>
+      </p:sp>
+    </p:spTree>
+    <p:extLst>
+      <p:ext uri="{BB962C8B-B14F-4D97-AF65-F5344CB8AC3E}">
+        <p14:creationId xmlns:p14="http://schemas.microsoft.com/office/powerpoint/2010/main" val="99291961"/>
+      </p:ext>
+    </p:extLst>
+  </p:cSld>
+  <p:clrMapOvr>
+    <a:masterClrMapping/>
+  </p:clrMapOvr>
+</p:sld>
+</file>
+
+<file path=ppt/slides/slide6.xml><?xml version="1.0" encoding="utf-8"?>
+<p:sld xmlns:a="http://schemas.openxmlformats.org/drawingml/2006/main" xmlns:r="http://schemas.openxmlformats.org/officeDocument/2006/relationships" xmlns:p="http://schemas.openxmlformats.org/presentationml/2006/main">
+  <p:cSld>
+    <p:spTree>
+      <p:nvGrpSpPr>
+        <p:cNvPr id="1" name=""/>
+        <p:cNvGrpSpPr/>
+        <p:nvPr/>
+      </p:nvGrpSpPr>
+      <p:grpSpPr>
+        <a:xfrm>
+          <a:off x="0" y="0"/>
+          <a:ext cx="0" cy="0"/>
+          <a:chOff x="0" y="0"/>
+          <a:chExt cx="0" cy="0"/>
+        </a:xfrm>
+      </p:grpSpPr>
+      <p:sp>
+        <p:nvSpPr>
+          <p:cNvPr id="22" name="Flowchart: Decision 21"/>
+          <p:cNvSpPr/>
+          <p:nvPr/>
+        </p:nvSpPr>
+        <p:spPr>
+          <a:xfrm>
+            <a:off x="1245745" y="1397014"/>
+            <a:ext cx="1945634" cy="1331755"/>
+          </a:xfrm>
+          <a:prstGeom prst="flowChartDecision">
+            <a:avLst/>
+          </a:prstGeom>
+          <a:noFill/>
+          <a:ln w="31750">
+            <a:solidFill>
+              <a:schemeClr val="tx1"/>
+            </a:solidFill>
+          </a:ln>
+        </p:spPr>
+        <p:style>
+          <a:lnRef idx="2">
+            <a:schemeClr val="accent1">
+              <a:shade val="50000"/>
+            </a:schemeClr>
+          </a:lnRef>
+          <a:fillRef idx="1">
+            <a:schemeClr val="accent1"/>
+          </a:fillRef>
+          <a:effectRef idx="0">
+            <a:schemeClr val="accent1"/>
+          </a:effectRef>
+          <a:fontRef idx="minor">
+            <a:schemeClr val="lt1"/>
+          </a:fontRef>
+        </p:style>
+        <p:txBody>
+          <a:bodyPr rtlCol="0" anchor="ctr"/>
+          <a:lstStyle/>
+          <a:p>
+            <a:pPr algn="ctr"/>
+            <a:r>
+              <a:rPr lang="en-US" sz="1200" dirty="0" smtClean="0">
+                <a:solidFill>
+                  <a:schemeClr val="tx1"/>
+                </a:solidFill>
+              </a:rPr>
+              <a:t>meets demand, efficacy, and stability requirement .</a:t>
+            </a:r>
+            <a:endParaRPr lang="en-US" sz="1200" dirty="0">
+              <a:solidFill>
+                <a:schemeClr val="tx1"/>
+              </a:solidFill>
+            </a:endParaRPr>
+          </a:p>
+        </p:txBody>
+      </p:sp>
+      <p:sp>
+        <p:nvSpPr>
+          <p:cNvPr id="23" name="Flowchart: Decision 22"/>
+          <p:cNvSpPr/>
+          <p:nvPr/>
+        </p:nvSpPr>
+        <p:spPr>
+          <a:xfrm>
+            <a:off x="3763244" y="1570349"/>
+            <a:ext cx="1927916" cy="997221"/>
+          </a:xfrm>
+          <a:prstGeom prst="flowChartDecision">
+            <a:avLst/>
+          </a:prstGeom>
+          <a:noFill/>
+          <a:ln w="31750">
+            <a:solidFill>
+              <a:schemeClr val="tx1"/>
+            </a:solidFill>
+          </a:ln>
+        </p:spPr>
+        <p:style>
+          <a:lnRef idx="2">
+            <a:schemeClr val="accent1">
+              <a:shade val="50000"/>
+            </a:schemeClr>
+          </a:lnRef>
+          <a:fillRef idx="1">
+            <a:schemeClr val="accent1"/>
+          </a:fillRef>
+          <a:effectRef idx="0">
+            <a:schemeClr val="accent1"/>
+          </a:effectRef>
+          <a:fontRef idx="minor">
+            <a:schemeClr val="lt1"/>
+          </a:fontRef>
+        </p:style>
+        <p:txBody>
+          <a:bodyPr rtlCol="0" anchor="ctr"/>
+          <a:lstStyle/>
+          <a:p>
+            <a:pPr algn="ctr"/>
+            <a:r>
+              <a:rPr lang="en-US" sz="1200" dirty="0" smtClean="0">
+                <a:solidFill>
+                  <a:schemeClr val="tx1"/>
+                </a:solidFill>
+              </a:rPr>
+              <a:t>consensus achieved within 30 days?</a:t>
+            </a:r>
+            <a:endParaRPr lang="en-US" sz="1200" dirty="0">
+              <a:solidFill>
+                <a:schemeClr val="tx1"/>
+              </a:solidFill>
+            </a:endParaRPr>
+          </a:p>
+        </p:txBody>
+      </p:sp>
+      <p:cxnSp>
+        <p:nvCxnSpPr>
+          <p:cNvPr id="24" name="Straight Arrow Connector 23"/>
+          <p:cNvCxnSpPr>
+            <a:endCxn id="22" idx="1"/>
+          </p:cNvCxnSpPr>
+          <p:nvPr/>
+        </p:nvCxnSpPr>
+        <p:spPr>
+          <a:xfrm>
+            <a:off x="703792" y="2062892"/>
+            <a:ext cx="541953" cy="0"/>
+          </a:xfrm>
+          <a:prstGeom prst="straightConnector1">
+            <a:avLst/>
+          </a:prstGeom>
+          <a:ln w="31750">
+            <a:solidFill>
+              <a:schemeClr val="tx1"/>
+            </a:solidFill>
+            <a:tailEnd type="triangle" w="lg" len="lg"/>
+          </a:ln>
+        </p:spPr>
+        <p:style>
+          <a:lnRef idx="1">
+            <a:schemeClr val="accent1"/>
+          </a:lnRef>
+          <a:fillRef idx="0">
+            <a:schemeClr val="accent1"/>
+          </a:fillRef>
+          <a:effectRef idx="0">
+            <a:schemeClr val="accent1"/>
+          </a:effectRef>
+          <a:fontRef idx="minor">
+            <a:schemeClr val="tx1"/>
+          </a:fontRef>
+        </p:style>
+      </p:cxnSp>
+      <p:cxnSp>
+        <p:nvCxnSpPr>
+          <p:cNvPr id="25" name="Straight Arrow Connector 24"/>
+          <p:cNvCxnSpPr>
+            <a:stCxn id="22" idx="2"/>
+          </p:cNvCxnSpPr>
+          <p:nvPr/>
+        </p:nvCxnSpPr>
+        <p:spPr>
+          <a:xfrm>
+            <a:off x="2218562" y="2728769"/>
+            <a:ext cx="0" cy="420339"/>
+          </a:xfrm>
+          <a:prstGeom prst="straightConnector1">
+            <a:avLst/>
+          </a:prstGeom>
+          <a:ln w="31750">
+            <a:solidFill>
+              <a:schemeClr val="tx1"/>
+            </a:solidFill>
+            <a:tailEnd type="triangle" w="lg" len="lg"/>
+          </a:ln>
+        </p:spPr>
+        <p:style>
+          <a:lnRef idx="1">
+            <a:schemeClr val="accent1"/>
+          </a:lnRef>
+          <a:fillRef idx="0">
+            <a:schemeClr val="accent1"/>
+          </a:fillRef>
+          <a:effectRef idx="0">
+            <a:schemeClr val="accent1"/>
+          </a:effectRef>
+          <a:fontRef idx="minor">
+            <a:schemeClr val="tx1"/>
+          </a:fontRef>
+        </p:style>
+      </p:cxnSp>
+      <p:sp>
+        <p:nvSpPr>
+          <p:cNvPr id="26" name="TextBox 25"/>
+          <p:cNvSpPr txBox="1"/>
+          <p:nvPr/>
+        </p:nvSpPr>
+        <p:spPr>
+          <a:xfrm>
+            <a:off x="3048344" y="2011255"/>
+            <a:ext cx="1419843" cy="800219"/>
+          </a:xfrm>
+          <a:prstGeom prst="rect">
+            <a:avLst/>
+          </a:prstGeom>
+          <a:noFill/>
+        </p:spPr>
+        <p:txBody>
+          <a:bodyPr wrap="square" rtlCol="0">
+            <a:spAutoFit/>
+          </a:bodyPr>
+          <a:lstStyle/>
+          <a:p>
+            <a:r>
+              <a:rPr lang="en-US" dirty="0" smtClean="0"/>
+              <a:t>yes</a:t>
+            </a:r>
+          </a:p>
+          <a:p>
+            <a:r>
+              <a:rPr lang="en-US" sz="1400" dirty="0" smtClean="0"/>
+              <a:t>initiate public comment period</a:t>
+            </a:r>
+            <a:endParaRPr lang="en-US" sz="1400" dirty="0"/>
+          </a:p>
+        </p:txBody>
+      </p:sp>
+      <p:sp>
+        <p:nvSpPr>
+          <p:cNvPr id="27" name="TextBox 26"/>
+          <p:cNvSpPr txBox="1"/>
+          <p:nvPr/>
+        </p:nvSpPr>
+        <p:spPr>
+          <a:xfrm>
+            <a:off x="2455066" y="2589431"/>
+            <a:ext cx="428322" cy="369332"/>
+          </a:xfrm>
+          <a:prstGeom prst="rect">
+            <a:avLst/>
+          </a:prstGeom>
+          <a:noFill/>
+        </p:spPr>
+        <p:txBody>
+          <a:bodyPr wrap="none" rtlCol="0">
+            <a:spAutoFit/>
+          </a:bodyPr>
+          <a:lstStyle/>
+          <a:p>
+            <a:r>
+              <a:rPr lang="en-US" dirty="0" smtClean="0"/>
+              <a:t>no</a:t>
+            </a:r>
+            <a:endParaRPr lang="en-US" dirty="0"/>
+          </a:p>
+        </p:txBody>
+      </p:sp>
+      <p:cxnSp>
+        <p:nvCxnSpPr>
+          <p:cNvPr id="28" name="Straight Arrow Connector 27"/>
+          <p:cNvCxnSpPr>
+            <a:stCxn id="22" idx="3"/>
+            <a:endCxn id="23" idx="1"/>
+          </p:cNvCxnSpPr>
+          <p:nvPr/>
+        </p:nvCxnSpPr>
+        <p:spPr>
+          <a:xfrm>
+            <a:off x="3191379" y="2062892"/>
+            <a:ext cx="571865" cy="6068"/>
+          </a:xfrm>
+          <a:prstGeom prst="straightConnector1">
+            <a:avLst/>
+          </a:prstGeom>
+          <a:ln w="31750">
+            <a:solidFill>
+              <a:schemeClr val="tx1"/>
+            </a:solidFill>
+            <a:tailEnd type="triangle" w="lg" len="lg"/>
+          </a:ln>
+        </p:spPr>
+        <p:style>
+          <a:lnRef idx="1">
+            <a:schemeClr val="accent1"/>
+          </a:lnRef>
+          <a:fillRef idx="0">
+            <a:schemeClr val="accent1"/>
+          </a:fillRef>
+          <a:effectRef idx="0">
+            <a:schemeClr val="accent1"/>
+          </a:effectRef>
+          <a:fontRef idx="minor">
+            <a:schemeClr val="tx1"/>
+          </a:fontRef>
+        </p:style>
+      </p:cxnSp>
+      <p:sp>
+        <p:nvSpPr>
+          <p:cNvPr id="29" name="TextBox 28"/>
+          <p:cNvSpPr txBox="1"/>
+          <p:nvPr/>
+        </p:nvSpPr>
+        <p:spPr>
+          <a:xfrm>
+            <a:off x="1065476" y="3166756"/>
+            <a:ext cx="2550354" cy="307777"/>
+          </a:xfrm>
+          <a:prstGeom prst="rect">
+            <a:avLst/>
+          </a:prstGeom>
+          <a:noFill/>
+        </p:spPr>
+        <p:txBody>
+          <a:bodyPr wrap="square" rtlCol="0">
+            <a:spAutoFit/>
+          </a:bodyPr>
+          <a:lstStyle/>
+          <a:p>
+            <a:r>
+              <a:rPr lang="en-US" sz="1400" dirty="0" smtClean="0"/>
+              <a:t>revise proposal or close issue</a:t>
+            </a:r>
+            <a:endParaRPr lang="en-US" sz="1400" dirty="0"/>
+          </a:p>
+        </p:txBody>
+      </p:sp>
+      <p:cxnSp>
+        <p:nvCxnSpPr>
+          <p:cNvPr id="30" name="Straight Arrow Connector 29"/>
+          <p:cNvCxnSpPr>
+            <a:stCxn id="35" idx="0"/>
+          </p:cNvCxnSpPr>
+          <p:nvPr/>
+        </p:nvCxnSpPr>
+        <p:spPr>
+          <a:xfrm flipH="1" flipV="1">
+            <a:off x="7039048" y="1050799"/>
+            <a:ext cx="1" cy="502418"/>
+          </a:xfrm>
+          <a:prstGeom prst="straightConnector1">
+            <a:avLst/>
+          </a:prstGeom>
+          <a:ln w="31750">
+            <a:solidFill>
+              <a:schemeClr val="tx1"/>
+            </a:solidFill>
+            <a:tailEnd type="none" w="lg" len="lg"/>
+          </a:ln>
+        </p:spPr>
+        <p:style>
+          <a:lnRef idx="1">
+            <a:schemeClr val="accent1"/>
+          </a:lnRef>
+          <a:fillRef idx="0">
+            <a:schemeClr val="accent1"/>
+          </a:fillRef>
+          <a:effectRef idx="0">
+            <a:schemeClr val="accent1"/>
+          </a:effectRef>
+          <a:fontRef idx="minor">
+            <a:schemeClr val="tx1"/>
+          </a:fontRef>
+        </p:style>
+      </p:cxnSp>
+      <p:sp>
+        <p:nvSpPr>
+          <p:cNvPr id="31" name="TextBox 30"/>
+          <p:cNvSpPr txBox="1"/>
+          <p:nvPr/>
+        </p:nvSpPr>
+        <p:spPr>
+          <a:xfrm>
+            <a:off x="4832108" y="2589431"/>
+            <a:ext cx="428322" cy="369332"/>
+          </a:xfrm>
+          <a:prstGeom prst="rect">
+            <a:avLst/>
+          </a:prstGeom>
+          <a:noFill/>
+        </p:spPr>
+        <p:txBody>
+          <a:bodyPr wrap="none" rtlCol="0">
+            <a:spAutoFit/>
+          </a:bodyPr>
+          <a:lstStyle/>
+          <a:p>
+            <a:r>
+              <a:rPr lang="en-US" dirty="0" smtClean="0"/>
+              <a:t>no</a:t>
+            </a:r>
+            <a:endParaRPr lang="en-US" dirty="0"/>
+          </a:p>
+        </p:txBody>
+      </p:sp>
+      <p:sp>
+        <p:nvSpPr>
+          <p:cNvPr id="34" name="TextBox 33"/>
+          <p:cNvSpPr txBox="1"/>
+          <p:nvPr/>
+        </p:nvSpPr>
+        <p:spPr>
+          <a:xfrm>
+            <a:off x="7092412" y="2563535"/>
+            <a:ext cx="804003" cy="369332"/>
+          </a:xfrm>
+          <a:prstGeom prst="rect">
+            <a:avLst/>
+          </a:prstGeom>
+          <a:noFill/>
+        </p:spPr>
+        <p:txBody>
+          <a:bodyPr wrap="none" rtlCol="0">
+            <a:spAutoFit/>
+          </a:bodyPr>
+          <a:lstStyle/>
+          <a:p>
+            <a:r>
+              <a:rPr lang="en-US" dirty="0" smtClean="0"/>
+              <a:t>accept</a:t>
+            </a:r>
+            <a:endParaRPr lang="en-US" dirty="0"/>
+          </a:p>
+        </p:txBody>
+      </p:sp>
+      <p:sp>
+        <p:nvSpPr>
+          <p:cNvPr id="35" name="Flowchart: Decision 34"/>
+          <p:cNvSpPr/>
+          <p:nvPr/>
+        </p:nvSpPr>
+        <p:spPr>
+          <a:xfrm>
+            <a:off x="6263025" y="1553217"/>
+            <a:ext cx="1552047" cy="1036214"/>
+          </a:xfrm>
+          <a:prstGeom prst="flowChartDecision">
+            <a:avLst/>
+          </a:prstGeom>
+          <a:noFill/>
+          <a:ln w="31750">
+            <a:solidFill>
+              <a:schemeClr val="tx1"/>
+            </a:solidFill>
+          </a:ln>
+        </p:spPr>
+        <p:style>
+          <a:lnRef idx="2">
+            <a:schemeClr val="accent1">
+              <a:shade val="50000"/>
+            </a:schemeClr>
+          </a:lnRef>
+          <a:fillRef idx="1">
+            <a:schemeClr val="accent1"/>
+          </a:fillRef>
+          <a:effectRef idx="0">
+            <a:schemeClr val="accent1"/>
+          </a:effectRef>
+          <a:fontRef idx="minor">
+            <a:schemeClr val="lt1"/>
+          </a:fontRef>
+        </p:style>
+        <p:txBody>
+          <a:bodyPr rtlCol="0" anchor="ctr"/>
+          <a:lstStyle/>
+          <a:p>
+            <a:pPr algn="ctr"/>
+            <a:r>
+              <a:rPr lang="en-US" sz="1200" dirty="0" smtClean="0">
+                <a:solidFill>
+                  <a:schemeClr val="tx1"/>
+                </a:solidFill>
+              </a:rPr>
+              <a:t>Executive decision</a:t>
+            </a:r>
+            <a:endParaRPr lang="en-US" sz="1200" dirty="0">
+              <a:solidFill>
+                <a:schemeClr val="tx1"/>
+              </a:solidFill>
+            </a:endParaRPr>
+          </a:p>
+        </p:txBody>
+      </p:sp>
+      <p:cxnSp>
+        <p:nvCxnSpPr>
+          <p:cNvPr id="36" name="Straight Arrow Connector 35"/>
+          <p:cNvCxnSpPr>
+            <a:stCxn id="23" idx="3"/>
+            <a:endCxn id="35" idx="1"/>
+          </p:cNvCxnSpPr>
+          <p:nvPr/>
+        </p:nvCxnSpPr>
+        <p:spPr>
+          <a:xfrm>
+            <a:off x="5691160" y="2068960"/>
+            <a:ext cx="571865" cy="2364"/>
+          </a:xfrm>
+          <a:prstGeom prst="straightConnector1">
+            <a:avLst/>
+          </a:prstGeom>
+          <a:ln w="31750">
+            <a:solidFill>
+              <a:schemeClr val="tx1"/>
+            </a:solidFill>
+            <a:tailEnd type="triangle" w="lg" len="lg"/>
+          </a:ln>
+        </p:spPr>
+        <p:style>
+          <a:lnRef idx="1">
+            <a:schemeClr val="accent1"/>
+          </a:lnRef>
+          <a:fillRef idx="0">
+            <a:schemeClr val="accent1"/>
+          </a:fillRef>
+          <a:effectRef idx="0">
+            <a:schemeClr val="accent1"/>
+          </a:effectRef>
+          <a:fontRef idx="minor">
+            <a:schemeClr val="tx1"/>
+          </a:fontRef>
+        </p:style>
+      </p:cxnSp>
+      <p:sp>
+        <p:nvSpPr>
+          <p:cNvPr id="37" name="TextBox 36"/>
+          <p:cNvSpPr txBox="1"/>
+          <p:nvPr/>
+        </p:nvSpPr>
+        <p:spPr>
+          <a:xfrm>
+            <a:off x="5046269" y="641263"/>
+            <a:ext cx="1852174" cy="307777"/>
+          </a:xfrm>
+          <a:prstGeom prst="rect">
+            <a:avLst/>
+          </a:prstGeom>
+          <a:noFill/>
+        </p:spPr>
+        <p:txBody>
+          <a:bodyPr wrap="none" rtlCol="0">
+            <a:spAutoFit/>
+          </a:bodyPr>
+          <a:lstStyle/>
+          <a:p>
+            <a:r>
+              <a:rPr lang="en-US" sz="1400" dirty="0" smtClean="0"/>
+              <a:t>return to public review</a:t>
+            </a:r>
+            <a:endParaRPr lang="en-US" sz="1400" dirty="0"/>
+          </a:p>
+        </p:txBody>
+      </p:sp>
+      <p:sp>
+        <p:nvSpPr>
+          <p:cNvPr id="38" name="TextBox 37"/>
+          <p:cNvSpPr txBox="1"/>
+          <p:nvPr/>
+        </p:nvSpPr>
+        <p:spPr>
+          <a:xfrm>
+            <a:off x="5653881" y="2088742"/>
+            <a:ext cx="491225" cy="369332"/>
+          </a:xfrm>
+          <a:prstGeom prst="rect">
+            <a:avLst/>
+          </a:prstGeom>
+          <a:noFill/>
+        </p:spPr>
+        <p:txBody>
+          <a:bodyPr wrap="none" rtlCol="0">
+            <a:spAutoFit/>
+          </a:bodyPr>
+          <a:lstStyle/>
+          <a:p>
+            <a:r>
+              <a:rPr lang="en-US" dirty="0" smtClean="0"/>
+              <a:t>yes</a:t>
+            </a:r>
+            <a:endParaRPr lang="en-US" dirty="0"/>
+          </a:p>
+        </p:txBody>
+      </p:sp>
+      <p:cxnSp>
+        <p:nvCxnSpPr>
+          <p:cNvPr id="39" name="Straight Arrow Connector 38"/>
+          <p:cNvCxnSpPr>
+            <a:stCxn id="35" idx="2"/>
+          </p:cNvCxnSpPr>
+          <p:nvPr/>
+        </p:nvCxnSpPr>
+        <p:spPr>
+          <a:xfrm flipH="1">
+            <a:off x="7039048" y="2589431"/>
+            <a:ext cx="1" cy="559677"/>
+          </a:xfrm>
+          <a:prstGeom prst="straightConnector1">
+            <a:avLst/>
+          </a:prstGeom>
+          <a:ln w="31750">
+            <a:solidFill>
+              <a:schemeClr val="tx1"/>
+            </a:solidFill>
+            <a:tailEnd type="triangle" w="lg" len="lg"/>
+          </a:ln>
+        </p:spPr>
+        <p:style>
+          <a:lnRef idx="1">
+            <a:schemeClr val="accent1"/>
+          </a:lnRef>
+          <a:fillRef idx="0">
+            <a:schemeClr val="accent1"/>
+          </a:fillRef>
+          <a:effectRef idx="0">
+            <a:schemeClr val="accent1"/>
+          </a:effectRef>
+          <a:fontRef idx="minor">
+            <a:schemeClr val="tx1"/>
+          </a:fontRef>
+        </p:style>
+      </p:cxnSp>
+      <p:sp>
+        <p:nvSpPr>
+          <p:cNvPr id="40" name="TextBox 39"/>
+          <p:cNvSpPr txBox="1"/>
+          <p:nvPr/>
+        </p:nvSpPr>
+        <p:spPr>
+          <a:xfrm>
+            <a:off x="6170556" y="3166756"/>
+            <a:ext cx="1798152" cy="523220"/>
+          </a:xfrm>
+          <a:prstGeom prst="rect">
+            <a:avLst/>
+          </a:prstGeom>
+          <a:noFill/>
+        </p:spPr>
+        <p:txBody>
+          <a:bodyPr wrap="square" rtlCol="0">
+            <a:spAutoFit/>
+          </a:bodyPr>
+          <a:lstStyle/>
+          <a:p>
+            <a:r>
+              <a:rPr lang="en-US" sz="1400" dirty="0"/>
+              <a:t>c</a:t>
+            </a:r>
+            <a:r>
+              <a:rPr lang="en-US" sz="1400" dirty="0" smtClean="0"/>
+              <a:t>hange implemented in documentation</a:t>
+            </a:r>
+            <a:endParaRPr lang="en-US" sz="1400" dirty="0"/>
+          </a:p>
+        </p:txBody>
+      </p:sp>
+      <p:sp>
+        <p:nvSpPr>
+          <p:cNvPr id="41" name="TextBox 40"/>
+          <p:cNvSpPr txBox="1"/>
+          <p:nvPr/>
+        </p:nvSpPr>
+        <p:spPr>
+          <a:xfrm>
+            <a:off x="797100" y="4480863"/>
+            <a:ext cx="2375971" cy="307777"/>
+          </a:xfrm>
+          <a:prstGeom prst="rect">
+            <a:avLst/>
+          </a:prstGeom>
+          <a:noFill/>
+        </p:spPr>
+        <p:txBody>
+          <a:bodyPr wrap="none" rtlCol="0">
+            <a:spAutoFit/>
+          </a:bodyPr>
+          <a:lstStyle/>
+          <a:p>
+            <a:r>
+              <a:rPr lang="en-US" sz="1400" dirty="0" smtClean="0"/>
+              <a:t>Fig. x. General change process</a:t>
+            </a:r>
+            <a:endParaRPr lang="en-US" sz="1400" dirty="0"/>
+          </a:p>
+        </p:txBody>
+      </p:sp>
+      <p:sp>
+        <p:nvSpPr>
+          <p:cNvPr id="42" name="TextBox 41"/>
+          <p:cNvSpPr txBox="1"/>
+          <p:nvPr/>
+        </p:nvSpPr>
+        <p:spPr>
+          <a:xfrm>
+            <a:off x="0" y="1855206"/>
+            <a:ext cx="886632" cy="523220"/>
+          </a:xfrm>
+          <a:prstGeom prst="rect">
+            <a:avLst/>
+          </a:prstGeom>
+          <a:noFill/>
+        </p:spPr>
+        <p:txBody>
+          <a:bodyPr wrap="square" rtlCol="0">
+            <a:spAutoFit/>
+          </a:bodyPr>
+          <a:lstStyle/>
+          <a:p>
+            <a:r>
+              <a:rPr lang="en-US" sz="1400" dirty="0" smtClean="0"/>
+              <a:t>Change proposed</a:t>
+            </a:r>
+            <a:endParaRPr lang="en-US" sz="1400" dirty="0"/>
+          </a:p>
+        </p:txBody>
+      </p:sp>
+      <p:sp>
+        <p:nvSpPr>
+          <p:cNvPr id="47" name="TextBox 46"/>
+          <p:cNvSpPr txBox="1"/>
+          <p:nvPr/>
+        </p:nvSpPr>
+        <p:spPr>
+          <a:xfrm>
+            <a:off x="3707076" y="3168637"/>
+            <a:ext cx="2040251" cy="738664"/>
+          </a:xfrm>
+          <a:prstGeom prst="rect">
+            <a:avLst/>
+          </a:prstGeom>
+          <a:noFill/>
+        </p:spPr>
+        <p:txBody>
+          <a:bodyPr wrap="square" rtlCol="0">
+            <a:spAutoFit/>
+          </a:bodyPr>
+          <a:lstStyle/>
+          <a:p>
+            <a:r>
+              <a:rPr lang="en-US" sz="1400" dirty="0" smtClean="0"/>
+              <a:t>revise proposal and reset public comment period,  or close issue</a:t>
+            </a:r>
+            <a:endParaRPr lang="en-US" sz="1400" dirty="0"/>
+          </a:p>
+        </p:txBody>
+      </p:sp>
+      <p:cxnSp>
+        <p:nvCxnSpPr>
+          <p:cNvPr id="48" name="Straight Arrow Connector 47"/>
+          <p:cNvCxnSpPr>
+            <a:stCxn id="23" idx="2"/>
+          </p:cNvCxnSpPr>
+          <p:nvPr/>
+        </p:nvCxnSpPr>
+        <p:spPr>
+          <a:xfrm>
+            <a:off x="4727202" y="2567570"/>
+            <a:ext cx="0" cy="581538"/>
+          </a:xfrm>
+          <a:prstGeom prst="straightConnector1">
+            <a:avLst/>
+          </a:prstGeom>
+          <a:ln w="31750">
+            <a:solidFill>
+              <a:schemeClr val="tx1"/>
+            </a:solidFill>
+            <a:tailEnd type="triangle" w="lg" len="lg"/>
+          </a:ln>
+        </p:spPr>
+        <p:style>
+          <a:lnRef idx="1">
+            <a:schemeClr val="accent1"/>
+          </a:lnRef>
+          <a:fillRef idx="0">
+            <a:schemeClr val="accent1"/>
+          </a:fillRef>
+          <a:effectRef idx="0">
+            <a:schemeClr val="accent1"/>
+          </a:effectRef>
+          <a:fontRef idx="minor">
+            <a:schemeClr val="tx1"/>
+          </a:fontRef>
+        </p:style>
+      </p:cxnSp>
+      <p:cxnSp>
+        <p:nvCxnSpPr>
+          <p:cNvPr id="51" name="Elbow Connector 50"/>
+          <p:cNvCxnSpPr>
+            <a:endCxn id="23" idx="0"/>
+          </p:cNvCxnSpPr>
+          <p:nvPr/>
+        </p:nvCxnSpPr>
+        <p:spPr>
+          <a:xfrm rot="10800000" flipV="1">
+            <a:off x="4727202" y="1042233"/>
+            <a:ext cx="2311846" cy="528115"/>
+          </a:xfrm>
+          <a:prstGeom prst="bentConnector2">
+            <a:avLst/>
+          </a:prstGeom>
+          <a:ln w="31750">
+            <a:solidFill>
+              <a:schemeClr val="tx1"/>
+            </a:solidFill>
+            <a:tailEnd type="triangle" w="lg" len="lg"/>
+          </a:ln>
+        </p:spPr>
+        <p:style>
+          <a:lnRef idx="1">
+            <a:schemeClr val="accent1"/>
+          </a:lnRef>
+          <a:fillRef idx="0">
+            <a:schemeClr val="accent1"/>
+          </a:fillRef>
+          <a:effectRef idx="0">
+            <a:schemeClr val="accent1"/>
+          </a:effectRef>
+          <a:fontRef idx="minor">
+            <a:schemeClr val="tx1"/>
+          </a:fontRef>
+        </p:style>
+      </p:cxnSp>
+      <p:cxnSp>
+        <p:nvCxnSpPr>
+          <p:cNvPr id="68" name="Straight Arrow Connector 67"/>
+          <p:cNvCxnSpPr>
+            <a:stCxn id="35" idx="3"/>
+            <a:endCxn id="82" idx="1"/>
+          </p:cNvCxnSpPr>
+          <p:nvPr/>
+        </p:nvCxnSpPr>
+        <p:spPr>
+          <a:xfrm flipV="1">
+            <a:off x="7815072" y="2062891"/>
+            <a:ext cx="514568" cy="8433"/>
+          </a:xfrm>
+          <a:prstGeom prst="straightConnector1">
+            <a:avLst/>
+          </a:prstGeom>
+          <a:ln w="31750">
+            <a:solidFill>
+              <a:schemeClr val="tx1"/>
+            </a:solidFill>
+            <a:tailEnd type="triangle" w="lg" len="lg"/>
+          </a:ln>
+        </p:spPr>
+        <p:style>
+          <a:lnRef idx="1">
+            <a:schemeClr val="accent1"/>
+          </a:lnRef>
+          <a:fillRef idx="0">
+            <a:schemeClr val="accent1"/>
+          </a:fillRef>
+          <a:effectRef idx="0">
+            <a:schemeClr val="accent1"/>
+          </a:effectRef>
+          <a:fontRef idx="minor">
+            <a:schemeClr val="tx1"/>
+          </a:fontRef>
+        </p:style>
+      </p:cxnSp>
+      <p:sp>
+        <p:nvSpPr>
+          <p:cNvPr id="73" name="TextBox 72"/>
+          <p:cNvSpPr txBox="1"/>
+          <p:nvPr/>
+        </p:nvSpPr>
+        <p:spPr>
+          <a:xfrm>
+            <a:off x="7607776" y="2077259"/>
+            <a:ext cx="721864" cy="369332"/>
+          </a:xfrm>
+          <a:prstGeom prst="rect">
+            <a:avLst/>
+          </a:prstGeom>
+          <a:noFill/>
+        </p:spPr>
+        <p:txBody>
+          <a:bodyPr wrap="none" rtlCol="0">
+            <a:spAutoFit/>
+          </a:bodyPr>
+          <a:lstStyle/>
+          <a:p>
+            <a:r>
+              <a:rPr lang="en-US" dirty="0" smtClean="0"/>
+              <a:t>reject</a:t>
+            </a:r>
+            <a:endParaRPr lang="en-US" dirty="0"/>
+          </a:p>
+        </p:txBody>
+      </p:sp>
+      <p:sp>
+        <p:nvSpPr>
+          <p:cNvPr id="82" name="TextBox 81"/>
+          <p:cNvSpPr txBox="1"/>
+          <p:nvPr/>
+        </p:nvSpPr>
+        <p:spPr>
+          <a:xfrm>
+            <a:off x="8329640" y="1801281"/>
+            <a:ext cx="720795" cy="523220"/>
+          </a:xfrm>
+          <a:prstGeom prst="rect">
+            <a:avLst/>
+          </a:prstGeom>
+          <a:noFill/>
+        </p:spPr>
+        <p:txBody>
+          <a:bodyPr wrap="square" rtlCol="0">
+            <a:spAutoFit/>
+          </a:bodyPr>
+          <a:lstStyle/>
+          <a:p>
+            <a:r>
+              <a:rPr lang="en-US" sz="1400" dirty="0" smtClean="0"/>
+              <a:t>no change</a:t>
+            </a:r>
+            <a:endParaRPr lang="en-US" sz="1400" dirty="0"/>
+          </a:p>
+        </p:txBody>
+      </p:sp>
+    </p:spTree>
+    <p:extLst>
+      <p:ext uri="{BB962C8B-B14F-4D97-AF65-F5344CB8AC3E}">
+        <p14:creationId xmlns:p14="http://schemas.microsoft.com/office/powerpoint/2010/main" val="2962345159"/>
+      </p:ext>
+    </p:extLst>
+  </p:cSld>
+  <p:clrMapOvr>
+    <a:masterClrMapping/>
+  </p:clrMapOvr>
 </p:sld>
 </file>
 

--- a/diagrams.pptx
+++ b/diagrams.pptx
@@ -6158,7 +6158,7 @@
         </p:nvSpPr>
         <p:spPr>
           <a:xfrm>
-            <a:off x="6071764" y="465591"/>
+            <a:off x="6169300" y="523919"/>
             <a:ext cx="2974700" cy="523220"/>
           </a:xfrm>
           <a:prstGeom prst="rect">
@@ -6174,15 +6174,7 @@
           <a:p>
             <a:r>
               <a:rPr lang="en-US" sz="1400" dirty="0" smtClean="0"/>
-              <a:t>Interest Group makes changes and notifies community via </a:t>
-            </a:r>
-            <a:r>
-              <a:rPr lang="en-US" sz="1400" dirty="0" err="1" smtClean="0"/>
-              <a:t>tdwg</a:t>
-            </a:r>
-            <a:r>
-              <a:rPr lang="en-US" sz="1400" dirty="0" smtClean="0"/>
-              <a:t>-content</a:t>
+              <a:t>Interest Group makes changes and notifies community via tdwg-content</a:t>
             </a:r>
             <a:endParaRPr lang="en-US" sz="1400" dirty="0"/>
           </a:p>
